--- a/images/HeteroCraft-Logo_20190907.pptx
+++ b/images/HeteroCraft-Logo_20190907.pptx
@@ -5,12 +5,14 @@
     <p:sldMasterId id="2147483648" r:id="rId1"/>
   </p:sldMasterIdLst>
   <p:notesMasterIdLst>
-    <p:notesMasterId r:id="rId5"/>
+    <p:notesMasterId r:id="rId7"/>
   </p:notesMasterIdLst>
   <p:sldIdLst>
     <p:sldId id="277" r:id="rId2"/>
     <p:sldId id="280" r:id="rId3"/>
-    <p:sldId id="281" r:id="rId4"/>
+    <p:sldId id="283" r:id="rId4"/>
+    <p:sldId id="282" r:id="rId5"/>
+    <p:sldId id="281" r:id="rId6"/>
   </p:sldIdLst>
   <p:sldSz cx="12192000" cy="6858000"/>
   <p:notesSz cx="6858000" cy="9144000"/>
@@ -199,7 +201,7 @@
           <a:p>
             <a:fld id="{B46318D4-BBBF-49E4-8C50-93FEFB5EF80E}" type="datetimeFigureOut">
               <a:rPr lang="zh-TW" altLang="en-US" smtClean="0"/>
-              <a:t>2019/9/8</a:t>
+              <a:t>2019/9/23</a:t>
             </a:fld>
             <a:endParaRPr lang="zh-TW" altLang="en-US"/>
           </a:p>
@@ -595,7 +597,7 @@
           <a:p>
             <a:fld id="{FDDA7303-F2A0-45A6-8FD1-6F78F14ADDD5}" type="datetimeFigureOut">
               <a:rPr lang="zh-TW" altLang="en-US" smtClean="0"/>
-              <a:t>2019/9/8</a:t>
+              <a:t>2019/9/23</a:t>
             </a:fld>
             <a:endParaRPr lang="zh-TW" altLang="en-US"/>
           </a:p>
@@ -763,7 +765,7 @@
           <a:p>
             <a:fld id="{FDDA7303-F2A0-45A6-8FD1-6F78F14ADDD5}" type="datetimeFigureOut">
               <a:rPr lang="zh-TW" altLang="en-US" smtClean="0"/>
-              <a:t>2019/9/8</a:t>
+              <a:t>2019/9/23</a:t>
             </a:fld>
             <a:endParaRPr lang="zh-TW" altLang="en-US"/>
           </a:p>
@@ -941,7 +943,7 @@
           <a:p>
             <a:fld id="{FDDA7303-F2A0-45A6-8FD1-6F78F14ADDD5}" type="datetimeFigureOut">
               <a:rPr lang="zh-TW" altLang="en-US" smtClean="0"/>
-              <a:t>2019/9/8</a:t>
+              <a:t>2019/9/23</a:t>
             </a:fld>
             <a:endParaRPr lang="zh-TW" altLang="en-US"/>
           </a:p>
@@ -1109,7 +1111,7 @@
           <a:p>
             <a:fld id="{FDDA7303-F2A0-45A6-8FD1-6F78F14ADDD5}" type="datetimeFigureOut">
               <a:rPr lang="zh-TW" altLang="en-US" smtClean="0"/>
-              <a:t>2019/9/8</a:t>
+              <a:t>2019/9/23</a:t>
             </a:fld>
             <a:endParaRPr lang="zh-TW" altLang="en-US"/>
           </a:p>
@@ -1354,7 +1356,7 @@
           <a:p>
             <a:fld id="{FDDA7303-F2A0-45A6-8FD1-6F78F14ADDD5}" type="datetimeFigureOut">
               <a:rPr lang="zh-TW" altLang="en-US" smtClean="0"/>
-              <a:t>2019/9/8</a:t>
+              <a:t>2019/9/23</a:t>
             </a:fld>
             <a:endParaRPr lang="zh-TW" altLang="en-US"/>
           </a:p>
@@ -1583,7 +1585,7 @@
           <a:p>
             <a:fld id="{FDDA7303-F2A0-45A6-8FD1-6F78F14ADDD5}" type="datetimeFigureOut">
               <a:rPr lang="zh-TW" altLang="en-US" smtClean="0"/>
-              <a:t>2019/9/8</a:t>
+              <a:t>2019/9/23</a:t>
             </a:fld>
             <a:endParaRPr lang="zh-TW" altLang="en-US"/>
           </a:p>
@@ -1947,7 +1949,7 @@
           <a:p>
             <a:fld id="{FDDA7303-F2A0-45A6-8FD1-6F78F14ADDD5}" type="datetimeFigureOut">
               <a:rPr lang="zh-TW" altLang="en-US" smtClean="0"/>
-              <a:t>2019/9/8</a:t>
+              <a:t>2019/9/23</a:t>
             </a:fld>
             <a:endParaRPr lang="zh-TW" altLang="en-US"/>
           </a:p>
@@ -2064,7 +2066,7 @@
           <a:p>
             <a:fld id="{FDDA7303-F2A0-45A6-8FD1-6F78F14ADDD5}" type="datetimeFigureOut">
               <a:rPr lang="zh-TW" altLang="en-US" smtClean="0"/>
-              <a:t>2019/9/8</a:t>
+              <a:t>2019/9/23</a:t>
             </a:fld>
             <a:endParaRPr lang="zh-TW" altLang="en-US"/>
           </a:p>
@@ -2159,7 +2161,7 @@
           <a:p>
             <a:fld id="{FDDA7303-F2A0-45A6-8FD1-6F78F14ADDD5}" type="datetimeFigureOut">
               <a:rPr lang="zh-TW" altLang="en-US" smtClean="0"/>
-              <a:t>2019/9/8</a:t>
+              <a:t>2019/9/23</a:t>
             </a:fld>
             <a:endParaRPr lang="zh-TW" altLang="en-US"/>
           </a:p>
@@ -2434,7 +2436,7 @@
           <a:p>
             <a:fld id="{FDDA7303-F2A0-45A6-8FD1-6F78F14ADDD5}" type="datetimeFigureOut">
               <a:rPr lang="zh-TW" altLang="en-US" smtClean="0"/>
-              <a:t>2019/9/8</a:t>
+              <a:t>2019/9/23</a:t>
             </a:fld>
             <a:endParaRPr lang="zh-TW" altLang="en-US"/>
           </a:p>
@@ -2686,7 +2688,7 @@
           <a:p>
             <a:fld id="{FDDA7303-F2A0-45A6-8FD1-6F78F14ADDD5}" type="datetimeFigureOut">
               <a:rPr lang="zh-TW" altLang="en-US" smtClean="0"/>
-              <a:t>2019/9/8</a:t>
+              <a:t>2019/9/23</a:t>
             </a:fld>
             <a:endParaRPr lang="zh-TW" altLang="en-US"/>
           </a:p>
@@ -2897,7 +2899,7 @@
           <a:p>
             <a:fld id="{FDDA7303-F2A0-45A6-8FD1-6F78F14ADDD5}" type="datetimeFigureOut">
               <a:rPr lang="zh-TW" altLang="en-US" smtClean="0"/>
-              <a:t>2019/9/8</a:t>
+              <a:t>2019/9/23</a:t>
             </a:fld>
             <a:endParaRPr lang="zh-TW" altLang="en-US"/>
           </a:p>
@@ -5500,7 +5502,61 @@
         </p:nvSpPr>
         <p:spPr>
           <a:xfrm>
-            <a:off x="4158580" y="2038339"/>
+            <a:off x="4559816" y="2047355"/>
+            <a:ext cx="1237431" cy="173863"/>
+          </a:xfrm>
+          <a:prstGeom prst="rect">
+            <a:avLst/>
+          </a:prstGeom>
+          <a:solidFill>
+            <a:schemeClr val="bg1"/>
+          </a:solidFill>
+          <a:ln>
+            <a:solidFill>
+              <a:schemeClr val="bg1"/>
+            </a:solidFill>
+          </a:ln>
+        </p:spPr>
+        <p:style>
+          <a:lnRef idx="2">
+            <a:schemeClr val="accent1">
+              <a:shade val="50000"/>
+            </a:schemeClr>
+          </a:lnRef>
+          <a:fillRef idx="1">
+            <a:schemeClr val="accent1"/>
+          </a:fillRef>
+          <a:effectRef idx="0">
+            <a:schemeClr val="accent1"/>
+          </a:effectRef>
+          <a:fontRef idx="minor">
+            <a:schemeClr val="lt1"/>
+          </a:fontRef>
+        </p:style>
+        <p:txBody>
+          <a:bodyPr rtlCol="0" anchor="ctr"/>
+          <a:lstStyle/>
+          <a:p>
+            <a:pPr algn="ctr"/>
+            <a:endParaRPr lang="zh-TW" altLang="en-US"/>
+          </a:p>
+        </p:txBody>
+      </p:sp>
+      <p:sp>
+        <p:nvSpPr>
+          <p:cNvPr id="6" name="矩形 16">
+            <a:extLst>
+              <a:ext uri="{FF2B5EF4-FFF2-40B4-BE49-F238E27FC236}">
+                <a16:creationId xmlns:a16="http://schemas.microsoft.com/office/drawing/2014/main" id="{4E15DA47-6DAC-C743-8380-AF0D7C37D799}"/>
+              </a:ext>
+            </a:extLst>
+          </p:cNvPr>
+          <p:cNvSpPr/>
+          <p:nvPr/>
+        </p:nvSpPr>
+        <p:spPr>
+          <a:xfrm>
+            <a:off x="4143340" y="3298612"/>
             <a:ext cx="1645920" cy="182880"/>
           </a:xfrm>
           <a:prstGeom prst="rect">
@@ -5538,183 +5594,6 @@
           </a:p>
         </p:txBody>
       </p:sp>
-      <p:sp>
-        <p:nvSpPr>
-          <p:cNvPr id="6" name="矩形 16">
-            <a:extLst>
-              <a:ext uri="{FF2B5EF4-FFF2-40B4-BE49-F238E27FC236}">
-                <a16:creationId xmlns:a16="http://schemas.microsoft.com/office/drawing/2014/main" id="{4E15DA47-6DAC-C743-8380-AF0D7C37D799}"/>
-              </a:ext>
-            </a:extLst>
-          </p:cNvPr>
-          <p:cNvSpPr/>
-          <p:nvPr/>
-        </p:nvSpPr>
-        <p:spPr>
-          <a:xfrm>
-            <a:off x="4143340" y="3298612"/>
-            <a:ext cx="1645920" cy="182880"/>
-          </a:xfrm>
-          <a:prstGeom prst="rect">
-            <a:avLst/>
-          </a:prstGeom>
-          <a:solidFill>
-            <a:schemeClr val="bg1"/>
-          </a:solidFill>
-          <a:ln>
-            <a:noFill/>
-          </a:ln>
-        </p:spPr>
-        <p:style>
-          <a:lnRef idx="2">
-            <a:schemeClr val="accent1">
-              <a:shade val="50000"/>
-            </a:schemeClr>
-          </a:lnRef>
-          <a:fillRef idx="1">
-            <a:schemeClr val="accent1"/>
-          </a:fillRef>
-          <a:effectRef idx="0">
-            <a:schemeClr val="accent1"/>
-          </a:effectRef>
-          <a:fontRef idx="minor">
-            <a:schemeClr val="lt1"/>
-          </a:fontRef>
-        </p:style>
-        <p:txBody>
-          <a:bodyPr rtlCol="0" anchor="ctr"/>
-          <a:lstStyle/>
-          <a:p>
-            <a:pPr algn="ctr"/>
-            <a:endParaRPr lang="zh-TW" altLang="en-US"/>
-          </a:p>
-        </p:txBody>
-      </p:sp>
-      <p:grpSp>
-        <p:nvGrpSpPr>
-          <p:cNvPr id="7" name="群組 6">
-            <a:extLst>
-              <a:ext uri="{FF2B5EF4-FFF2-40B4-BE49-F238E27FC236}">
-                <a16:creationId xmlns:a16="http://schemas.microsoft.com/office/drawing/2014/main" id="{D55FAE71-145D-144A-965D-1438BC54EBAF}"/>
-              </a:ext>
-            </a:extLst>
-          </p:cNvPr>
-          <p:cNvGrpSpPr/>
-          <p:nvPr/>
-        </p:nvGrpSpPr>
-        <p:grpSpPr>
-          <a:xfrm>
-            <a:off x="3451081" y="2515605"/>
-            <a:ext cx="462128" cy="462128"/>
-            <a:chOff x="4465320" y="3512820"/>
-            <a:chExt cx="462128" cy="462128"/>
-          </a:xfrm>
-        </p:grpSpPr>
-        <p:sp>
-          <p:nvSpPr>
-            <p:cNvPr id="8" name="橢圓 5">
-              <a:extLst>
-                <a:ext uri="{FF2B5EF4-FFF2-40B4-BE49-F238E27FC236}">
-                  <a16:creationId xmlns:a16="http://schemas.microsoft.com/office/drawing/2014/main" id="{D6EDDB23-0CE2-FA4F-811F-C51F1FDF0288}"/>
-                </a:ext>
-              </a:extLst>
-            </p:cNvPr>
-            <p:cNvSpPr/>
-            <p:nvPr/>
-          </p:nvSpPr>
-          <p:spPr>
-            <a:xfrm>
-              <a:off x="4465320" y="3512820"/>
-              <a:ext cx="462128" cy="462128"/>
-            </a:xfrm>
-            <a:prstGeom prst="ellipse">
-              <a:avLst/>
-            </a:prstGeom>
-            <a:solidFill>
-              <a:srgbClr val="0066FF"/>
-            </a:solidFill>
-            <a:ln>
-              <a:noFill/>
-            </a:ln>
-          </p:spPr>
-          <p:style>
-            <a:lnRef idx="2">
-              <a:schemeClr val="accent1">
-                <a:shade val="50000"/>
-              </a:schemeClr>
-            </a:lnRef>
-            <a:fillRef idx="1">
-              <a:schemeClr val="accent1"/>
-            </a:fillRef>
-            <a:effectRef idx="0">
-              <a:schemeClr val="accent1"/>
-            </a:effectRef>
-            <a:fontRef idx="minor">
-              <a:schemeClr val="lt1"/>
-            </a:fontRef>
-          </p:style>
-          <p:txBody>
-            <a:bodyPr rtlCol="0" anchor="ctr"/>
-            <a:lstStyle/>
-            <a:p>
-              <a:pPr algn="ctr"/>
-              <a:endParaRPr lang="zh-TW" altLang="en-US"/>
-            </a:p>
-          </p:txBody>
-        </p:sp>
-        <p:sp>
-          <p:nvSpPr>
-            <p:cNvPr id="9" name="橢圓 17">
-              <a:extLst>
-                <a:ext uri="{FF2B5EF4-FFF2-40B4-BE49-F238E27FC236}">
-                  <a16:creationId xmlns:a16="http://schemas.microsoft.com/office/drawing/2014/main" id="{A549054E-F036-2F4E-8D62-8A77648DC2AA}"/>
-                </a:ext>
-              </a:extLst>
-            </p:cNvPr>
-            <p:cNvSpPr/>
-            <p:nvPr/>
-          </p:nvSpPr>
-          <p:spPr>
-            <a:xfrm>
-              <a:off x="4604944" y="3652444"/>
-              <a:ext cx="182880" cy="182880"/>
-            </a:xfrm>
-            <a:prstGeom prst="ellipse">
-              <a:avLst/>
-            </a:prstGeom>
-            <a:solidFill>
-              <a:schemeClr val="bg1"/>
-            </a:solidFill>
-            <a:ln>
-              <a:noFill/>
-            </a:ln>
-          </p:spPr>
-          <p:style>
-            <a:lnRef idx="2">
-              <a:schemeClr val="accent1">
-                <a:shade val="50000"/>
-              </a:schemeClr>
-            </a:lnRef>
-            <a:fillRef idx="1">
-              <a:schemeClr val="accent1"/>
-            </a:fillRef>
-            <a:effectRef idx="0">
-              <a:schemeClr val="accent1"/>
-            </a:effectRef>
-            <a:fontRef idx="minor">
-              <a:schemeClr val="lt1"/>
-            </a:fontRef>
-          </p:style>
-          <p:txBody>
-            <a:bodyPr rtlCol="0" anchor="ctr"/>
-            <a:lstStyle/>
-            <a:p>
-              <a:pPr algn="ctr"/>
-              <a:endParaRPr lang="zh-TW" altLang="en-US"/>
-            </a:p>
-          </p:txBody>
-        </p:sp>
-      </p:grpSp>
       <p:grpSp>
         <p:nvGrpSpPr>
           <p:cNvPr id="10" name="群組 19">
@@ -5729,7 +5608,7 @@
         </p:nvGrpSpPr>
         <p:grpSpPr>
           <a:xfrm>
-            <a:off x="3825414" y="2967725"/>
+            <a:off x="3953868" y="2967725"/>
             <a:ext cx="462128" cy="462128"/>
             <a:chOff x="4465320" y="3512820"/>
             <a:chExt cx="462128" cy="462128"/>
@@ -5854,7 +5733,7 @@
         </p:nvSpPr>
         <p:spPr>
           <a:xfrm>
-            <a:off x="4385617" y="2222496"/>
+            <a:off x="4483591" y="2240276"/>
             <a:ext cx="365760" cy="182880"/>
           </a:xfrm>
           <a:prstGeom prst="rect">
@@ -5906,7 +5785,7 @@
         </p:nvSpPr>
         <p:spPr>
           <a:xfrm>
-            <a:off x="4169717" y="3115490"/>
+            <a:off x="4313411" y="3115490"/>
             <a:ext cx="548640" cy="182880"/>
           </a:xfrm>
           <a:prstGeom prst="rect">
@@ -5958,8 +5837,8 @@
         </p:nvSpPr>
         <p:spPr>
           <a:xfrm>
-            <a:off x="3780322" y="2667722"/>
-            <a:ext cx="1005840" cy="182880"/>
+            <a:off x="4098026" y="2698484"/>
+            <a:ext cx="851426" cy="152117"/>
           </a:xfrm>
           <a:prstGeom prst="rect">
             <a:avLst/>
@@ -6010,8 +5889,8 @@
         </p:nvSpPr>
         <p:spPr>
           <a:xfrm>
-            <a:off x="3939810" y="2484562"/>
-            <a:ext cx="640080" cy="182880"/>
+            <a:off x="4119429" y="2454082"/>
+            <a:ext cx="440387" cy="242034"/>
           </a:xfrm>
           <a:prstGeom prst="rect">
             <a:avLst/>
@@ -6062,7 +5941,7 @@
         </p:nvGrpSpPr>
         <p:grpSpPr>
           <a:xfrm>
-            <a:off x="3962574" y="2080687"/>
+            <a:off x="4098648" y="2080687"/>
             <a:ext cx="462128" cy="462128"/>
             <a:chOff x="4465320" y="3512820"/>
             <a:chExt cx="462128" cy="462128"/>
@@ -6239,9 +6118,9 @@
         </p:nvGrpSpPr>
         <p:grpSpPr>
           <a:xfrm>
-            <a:off x="4415538" y="2423543"/>
+            <a:off x="4505892" y="2408303"/>
             <a:ext cx="336241" cy="336241"/>
-            <a:chOff x="6312158" y="2894556"/>
+            <a:chOff x="6304538" y="2879316"/>
             <a:chExt cx="336241" cy="336241"/>
           </a:xfrm>
         </p:grpSpPr>
@@ -6259,7 +6138,7 @@
           </p:nvSpPr>
           <p:spPr>
             <a:xfrm>
-              <a:off x="6312158" y="2894556"/>
+              <a:off x="6304538" y="2879316"/>
               <a:ext cx="336241" cy="336241"/>
             </a:xfrm>
             <a:prstGeom prst="ellipse">
@@ -6311,7 +6190,7 @@
           </p:nvSpPr>
           <p:spPr>
             <a:xfrm>
-              <a:off x="6383122" y="2970240"/>
+              <a:off x="6375502" y="2947380"/>
               <a:ext cx="194312" cy="194312"/>
             </a:xfrm>
             <a:prstGeom prst="ellipse">
@@ -7522,6 +7401,140 @@
           </a:p>
         </p:txBody>
       </p:sp>
+      <p:sp>
+        <p:nvSpPr>
+          <p:cNvPr id="52" name="橢圓 90">
+            <a:extLst>
+              <a:ext uri="{FF2B5EF4-FFF2-40B4-BE49-F238E27FC236}">
+                <a16:creationId xmlns:a16="http://schemas.microsoft.com/office/drawing/2014/main" id="{5101DD3A-A33E-AC4E-93C6-50D0ADB8EF5A}"/>
+              </a:ext>
+            </a:extLst>
+          </p:cNvPr>
+          <p:cNvSpPr/>
+          <p:nvPr/>
+        </p:nvSpPr>
+        <p:spPr>
+          <a:xfrm>
+            <a:off x="3742425" y="2523538"/>
+            <a:ext cx="462128" cy="462128"/>
+          </a:xfrm>
+          <a:prstGeom prst="ellipse">
+            <a:avLst/>
+          </a:prstGeom>
+          <a:solidFill>
+            <a:srgbClr val="0066FF"/>
+          </a:solidFill>
+          <a:ln>
+            <a:noFill/>
+          </a:ln>
+        </p:spPr>
+        <p:style>
+          <a:lnRef idx="2">
+            <a:schemeClr val="accent1">
+              <a:shade val="50000"/>
+            </a:schemeClr>
+          </a:lnRef>
+          <a:fillRef idx="1">
+            <a:schemeClr val="accent1"/>
+          </a:fillRef>
+          <a:effectRef idx="0">
+            <a:schemeClr val="accent1"/>
+          </a:effectRef>
+          <a:fontRef idx="minor">
+            <a:schemeClr val="lt1"/>
+          </a:fontRef>
+        </p:style>
+        <p:txBody>
+          <a:bodyPr rtlCol="0" anchor="ctr"/>
+          <a:lstStyle/>
+          <a:p>
+            <a:pPr algn="ctr"/>
+            <a:endParaRPr lang="zh-TW" altLang="en-US"/>
+          </a:p>
+        </p:txBody>
+      </p:sp>
+      <p:sp>
+        <p:nvSpPr>
+          <p:cNvPr id="53" name="橢圓 91">
+            <a:extLst>
+              <a:ext uri="{FF2B5EF4-FFF2-40B4-BE49-F238E27FC236}">
+                <a16:creationId xmlns:a16="http://schemas.microsoft.com/office/drawing/2014/main" id="{B92C6508-F6E5-8F40-A1D3-C8290366CC71}"/>
+              </a:ext>
+            </a:extLst>
+          </p:cNvPr>
+          <p:cNvSpPr/>
+          <p:nvPr/>
+        </p:nvSpPr>
+        <p:spPr>
+          <a:xfrm>
+            <a:off x="3882049" y="2663162"/>
+            <a:ext cx="182880" cy="182880"/>
+          </a:xfrm>
+          <a:prstGeom prst="ellipse">
+            <a:avLst/>
+          </a:prstGeom>
+          <a:solidFill>
+            <a:schemeClr val="bg1"/>
+          </a:solidFill>
+          <a:ln>
+            <a:noFill/>
+          </a:ln>
+        </p:spPr>
+        <p:style>
+          <a:lnRef idx="2">
+            <a:schemeClr val="accent1">
+              <a:shade val="50000"/>
+            </a:schemeClr>
+          </a:lnRef>
+          <a:fillRef idx="1">
+            <a:schemeClr val="accent1"/>
+          </a:fillRef>
+          <a:effectRef idx="0">
+            <a:schemeClr val="accent1"/>
+          </a:effectRef>
+          <a:fontRef idx="minor">
+            <a:schemeClr val="lt1"/>
+          </a:fontRef>
+        </p:style>
+        <p:txBody>
+          <a:bodyPr rtlCol="0" anchor="ctr"/>
+          <a:lstStyle/>
+          <a:p>
+            <a:pPr algn="ctr"/>
+            <a:endParaRPr lang="zh-TW" altLang="en-US"/>
+          </a:p>
+        </p:txBody>
+      </p:sp>
+      <p:pic>
+        <p:nvPicPr>
+          <p:cNvPr id="64" name="Picture 63">
+            <a:extLst>
+              <a:ext uri="{FF2B5EF4-FFF2-40B4-BE49-F238E27FC236}">
+                <a16:creationId xmlns:a16="http://schemas.microsoft.com/office/drawing/2014/main" id="{F6F304FE-9AF2-294F-A60B-B3F7B4F001A7}"/>
+              </a:ext>
+            </a:extLst>
+          </p:cNvPr>
+          <p:cNvPicPr>
+            <a:picLocks noChangeAspect="1"/>
+          </p:cNvPicPr>
+          <p:nvPr/>
+        </p:nvPicPr>
+        <p:blipFill>
+          <a:blip r:embed="rId2"/>
+          <a:stretch>
+            <a:fillRect/>
+          </a:stretch>
+        </p:blipFill>
+        <p:spPr>
+          <a:xfrm>
+            <a:off x="7490277" y="937285"/>
+            <a:ext cx="3898900" cy="3479800"/>
+          </a:xfrm>
+          <a:prstGeom prst="rect">
+            <a:avLst/>
+          </a:prstGeom>
+        </p:spPr>
+      </p:pic>
     </p:spTree>
     <p:extLst>
       <p:ext uri="{BB962C8B-B14F-4D97-AF65-F5344CB8AC3E}">
@@ -7554,6 +7567,2311 @@
       </p:grpSpPr>
       <p:sp>
         <p:nvSpPr>
+          <p:cNvPr id="60" name="Rectangle 59">
+            <a:extLst>
+              <a:ext uri="{FF2B5EF4-FFF2-40B4-BE49-F238E27FC236}">
+                <a16:creationId xmlns:a16="http://schemas.microsoft.com/office/drawing/2014/main" id="{E0E818DA-2157-9C46-89BD-76960860B030}"/>
+              </a:ext>
+            </a:extLst>
+          </p:cNvPr>
+          <p:cNvSpPr/>
+          <p:nvPr/>
+        </p:nvSpPr>
+        <p:spPr>
+          <a:xfrm>
+            <a:off x="3449642" y="603430"/>
+            <a:ext cx="4480560" cy="4297680"/>
+          </a:xfrm>
+          <a:prstGeom prst="rect">
+            <a:avLst/>
+          </a:prstGeom>
+          <a:solidFill>
+            <a:schemeClr val="bg1"/>
+          </a:solidFill>
+          <a:ln>
+            <a:solidFill>
+              <a:schemeClr val="bg1"/>
+            </a:solidFill>
+          </a:ln>
+        </p:spPr>
+        <p:style>
+          <a:lnRef idx="2">
+            <a:schemeClr val="accent1">
+              <a:shade val="50000"/>
+            </a:schemeClr>
+          </a:lnRef>
+          <a:fillRef idx="1">
+            <a:schemeClr val="accent1"/>
+          </a:fillRef>
+          <a:effectRef idx="0">
+            <a:schemeClr val="accent1"/>
+          </a:effectRef>
+          <a:fontRef idx="minor">
+            <a:schemeClr val="lt1"/>
+          </a:fontRef>
+        </p:style>
+        <p:txBody>
+          <a:bodyPr rtlCol="0" anchor="ctr"/>
+          <a:lstStyle/>
+          <a:p>
+            <a:pPr algn="ctr"/>
+            <a:endParaRPr lang="en-US"/>
+          </a:p>
+        </p:txBody>
+      </p:sp>
+      <p:sp>
+        <p:nvSpPr>
+          <p:cNvPr id="4" name="圖案 13">
+            <a:extLst>
+              <a:ext uri="{FF2B5EF4-FFF2-40B4-BE49-F238E27FC236}">
+                <a16:creationId xmlns:a16="http://schemas.microsoft.com/office/drawing/2014/main" id="{A58B31A4-F29E-E540-8CFF-FBF8A1F5513D}"/>
+              </a:ext>
+            </a:extLst>
+          </p:cNvPr>
+          <p:cNvSpPr/>
+          <p:nvPr/>
+        </p:nvSpPr>
+        <p:spPr>
+          <a:xfrm>
+            <a:off x="4103283" y="1036271"/>
+            <a:ext cx="3447288" cy="3447288"/>
+          </a:xfrm>
+          <a:prstGeom prst="gear9">
+            <a:avLst/>
+          </a:prstGeom>
+          <a:solidFill>
+            <a:srgbClr val="0066FF"/>
+          </a:solidFill>
+          <a:ln w="6350" cap="flat">
+            <a:solidFill>
+              <a:schemeClr val="lt1">
+                <a:hueOff val="0"/>
+                <a:satOff val="0"/>
+                <a:lumOff val="0"/>
+              </a:schemeClr>
+            </a:solidFill>
+            <a:miter lim="800000"/>
+          </a:ln>
+          <a:effectLst>
+            <a:outerShdw blurRad="50800" dist="38100" algn="l" rotWithShape="0">
+              <a:schemeClr val="tx1">
+                <a:alpha val="56000"/>
+              </a:schemeClr>
+            </a:outerShdw>
+          </a:effectLst>
+        </p:spPr>
+        <p:style>
+          <a:lnRef idx="2">
+            <a:scrgbClr r="0" g="0" b="0"/>
+          </a:lnRef>
+          <a:fillRef idx="1">
+            <a:schemeClr val="accent1">
+              <a:shade val="50000"/>
+              <a:hueOff val="0"/>
+              <a:satOff val="0"/>
+              <a:lumOff val="0"/>
+              <a:alphaOff val="0"/>
+            </a:schemeClr>
+          </a:fillRef>
+          <a:effectRef idx="0">
+            <a:scrgbClr r="0" g="0" b="0"/>
+          </a:effectRef>
+          <a:fontRef idx="minor">
+            <a:schemeClr val="lt1"/>
+          </a:fontRef>
+        </p:style>
+      </p:sp>
+      <p:sp>
+        <p:nvSpPr>
+          <p:cNvPr id="5" name="矩形 4">
+            <a:extLst>
+              <a:ext uri="{FF2B5EF4-FFF2-40B4-BE49-F238E27FC236}">
+                <a16:creationId xmlns:a16="http://schemas.microsoft.com/office/drawing/2014/main" id="{4C8287AD-E30E-6E4B-8D7B-668FCE3A96A2}"/>
+              </a:ext>
+            </a:extLst>
+          </p:cNvPr>
+          <p:cNvSpPr/>
+          <p:nvPr/>
+        </p:nvSpPr>
+        <p:spPr>
+          <a:xfrm>
+            <a:off x="4559816" y="2047355"/>
+            <a:ext cx="1237431" cy="173863"/>
+          </a:xfrm>
+          <a:prstGeom prst="rect">
+            <a:avLst/>
+          </a:prstGeom>
+          <a:solidFill>
+            <a:schemeClr val="bg1"/>
+          </a:solidFill>
+          <a:ln>
+            <a:solidFill>
+              <a:schemeClr val="bg1"/>
+            </a:solidFill>
+          </a:ln>
+        </p:spPr>
+        <p:style>
+          <a:lnRef idx="2">
+            <a:schemeClr val="accent1">
+              <a:shade val="50000"/>
+            </a:schemeClr>
+          </a:lnRef>
+          <a:fillRef idx="1">
+            <a:schemeClr val="accent1"/>
+          </a:fillRef>
+          <a:effectRef idx="0">
+            <a:schemeClr val="accent1"/>
+          </a:effectRef>
+          <a:fontRef idx="minor">
+            <a:schemeClr val="lt1"/>
+          </a:fontRef>
+        </p:style>
+        <p:txBody>
+          <a:bodyPr rtlCol="0" anchor="ctr"/>
+          <a:lstStyle/>
+          <a:p>
+            <a:pPr algn="ctr"/>
+            <a:endParaRPr lang="zh-TW" altLang="en-US"/>
+          </a:p>
+        </p:txBody>
+      </p:sp>
+      <p:sp>
+        <p:nvSpPr>
+          <p:cNvPr id="6" name="矩形 16">
+            <a:extLst>
+              <a:ext uri="{FF2B5EF4-FFF2-40B4-BE49-F238E27FC236}">
+                <a16:creationId xmlns:a16="http://schemas.microsoft.com/office/drawing/2014/main" id="{4E15DA47-6DAC-C743-8380-AF0D7C37D799}"/>
+              </a:ext>
+            </a:extLst>
+          </p:cNvPr>
+          <p:cNvSpPr/>
+          <p:nvPr/>
+        </p:nvSpPr>
+        <p:spPr>
+          <a:xfrm>
+            <a:off x="4143340" y="3298612"/>
+            <a:ext cx="1645920" cy="182880"/>
+          </a:xfrm>
+          <a:prstGeom prst="rect">
+            <a:avLst/>
+          </a:prstGeom>
+          <a:solidFill>
+            <a:schemeClr val="bg1"/>
+          </a:solidFill>
+          <a:ln>
+            <a:noFill/>
+          </a:ln>
+        </p:spPr>
+        <p:style>
+          <a:lnRef idx="2">
+            <a:schemeClr val="accent1">
+              <a:shade val="50000"/>
+            </a:schemeClr>
+          </a:lnRef>
+          <a:fillRef idx="1">
+            <a:schemeClr val="accent1"/>
+          </a:fillRef>
+          <a:effectRef idx="0">
+            <a:schemeClr val="accent1"/>
+          </a:effectRef>
+          <a:fontRef idx="minor">
+            <a:schemeClr val="lt1"/>
+          </a:fontRef>
+        </p:style>
+        <p:txBody>
+          <a:bodyPr rtlCol="0" anchor="ctr"/>
+          <a:lstStyle/>
+          <a:p>
+            <a:pPr algn="ctr"/>
+            <a:endParaRPr lang="zh-TW" altLang="en-US"/>
+          </a:p>
+        </p:txBody>
+      </p:sp>
+      <p:grpSp>
+        <p:nvGrpSpPr>
+          <p:cNvPr id="10" name="群組 19">
+            <a:extLst>
+              <a:ext uri="{FF2B5EF4-FFF2-40B4-BE49-F238E27FC236}">
+                <a16:creationId xmlns:a16="http://schemas.microsoft.com/office/drawing/2014/main" id="{E0E554E6-B53D-6943-B5A5-7BA501D66AD8}"/>
+              </a:ext>
+            </a:extLst>
+          </p:cNvPr>
+          <p:cNvGrpSpPr/>
+          <p:nvPr/>
+        </p:nvGrpSpPr>
+        <p:grpSpPr>
+          <a:xfrm>
+            <a:off x="3953868" y="2967725"/>
+            <a:ext cx="462128" cy="462128"/>
+            <a:chOff x="4465320" y="3512820"/>
+            <a:chExt cx="462128" cy="462128"/>
+          </a:xfrm>
+        </p:grpSpPr>
+        <p:sp>
+          <p:nvSpPr>
+            <p:cNvPr id="11" name="橢圓 20">
+              <a:extLst>
+                <a:ext uri="{FF2B5EF4-FFF2-40B4-BE49-F238E27FC236}">
+                  <a16:creationId xmlns:a16="http://schemas.microsoft.com/office/drawing/2014/main" id="{B23D36C7-711E-0949-88C3-DD29E10CCE64}"/>
+                </a:ext>
+              </a:extLst>
+            </p:cNvPr>
+            <p:cNvSpPr/>
+            <p:nvPr/>
+          </p:nvSpPr>
+          <p:spPr>
+            <a:xfrm>
+              <a:off x="4465320" y="3512820"/>
+              <a:ext cx="462128" cy="462128"/>
+            </a:xfrm>
+            <a:prstGeom prst="ellipse">
+              <a:avLst/>
+            </a:prstGeom>
+            <a:solidFill>
+              <a:srgbClr val="0066FF"/>
+            </a:solidFill>
+            <a:ln>
+              <a:noFill/>
+            </a:ln>
+          </p:spPr>
+          <p:style>
+            <a:lnRef idx="2">
+              <a:schemeClr val="accent1">
+                <a:shade val="50000"/>
+              </a:schemeClr>
+            </a:lnRef>
+            <a:fillRef idx="1">
+              <a:schemeClr val="accent1"/>
+            </a:fillRef>
+            <a:effectRef idx="0">
+              <a:schemeClr val="accent1"/>
+            </a:effectRef>
+            <a:fontRef idx="minor">
+              <a:schemeClr val="lt1"/>
+            </a:fontRef>
+          </p:style>
+          <p:txBody>
+            <a:bodyPr rtlCol="0" anchor="ctr"/>
+            <a:lstStyle/>
+            <a:p>
+              <a:pPr algn="ctr"/>
+              <a:endParaRPr lang="zh-TW" altLang="en-US"/>
+            </a:p>
+          </p:txBody>
+        </p:sp>
+        <p:sp>
+          <p:nvSpPr>
+            <p:cNvPr id="12" name="橢圓 21">
+              <a:extLst>
+                <a:ext uri="{FF2B5EF4-FFF2-40B4-BE49-F238E27FC236}">
+                  <a16:creationId xmlns:a16="http://schemas.microsoft.com/office/drawing/2014/main" id="{E47B129F-EF08-AA4F-B33D-5B71B77A7BBC}"/>
+                </a:ext>
+              </a:extLst>
+            </p:cNvPr>
+            <p:cNvSpPr/>
+            <p:nvPr/>
+          </p:nvSpPr>
+          <p:spPr>
+            <a:xfrm>
+              <a:off x="4604944" y="3652444"/>
+              <a:ext cx="182880" cy="182880"/>
+            </a:xfrm>
+            <a:prstGeom prst="ellipse">
+              <a:avLst/>
+            </a:prstGeom>
+            <a:solidFill>
+              <a:schemeClr val="bg1"/>
+            </a:solidFill>
+            <a:ln>
+              <a:noFill/>
+            </a:ln>
+          </p:spPr>
+          <p:style>
+            <a:lnRef idx="2">
+              <a:schemeClr val="accent1">
+                <a:shade val="50000"/>
+              </a:schemeClr>
+            </a:lnRef>
+            <a:fillRef idx="1">
+              <a:schemeClr val="accent1"/>
+            </a:fillRef>
+            <a:effectRef idx="0">
+              <a:schemeClr val="accent1"/>
+            </a:effectRef>
+            <a:fontRef idx="minor">
+              <a:schemeClr val="lt1"/>
+            </a:fontRef>
+          </p:style>
+          <p:txBody>
+            <a:bodyPr rtlCol="0" anchor="ctr"/>
+            <a:lstStyle/>
+            <a:p>
+              <a:pPr algn="ctr"/>
+              <a:endParaRPr lang="zh-TW" altLang="en-US"/>
+            </a:p>
+          </p:txBody>
+        </p:sp>
+      </p:grpSp>
+      <p:sp>
+        <p:nvSpPr>
+          <p:cNvPr id="13" name="矩形 28">
+            <a:extLst>
+              <a:ext uri="{FF2B5EF4-FFF2-40B4-BE49-F238E27FC236}">
+                <a16:creationId xmlns:a16="http://schemas.microsoft.com/office/drawing/2014/main" id="{D7D54EA3-A428-3046-9203-16BA67646E79}"/>
+              </a:ext>
+            </a:extLst>
+          </p:cNvPr>
+          <p:cNvSpPr/>
+          <p:nvPr/>
+        </p:nvSpPr>
+        <p:spPr>
+          <a:xfrm>
+            <a:off x="4483591" y="2240276"/>
+            <a:ext cx="365760" cy="182880"/>
+          </a:xfrm>
+          <a:prstGeom prst="rect">
+            <a:avLst/>
+          </a:prstGeom>
+          <a:solidFill>
+            <a:srgbClr val="0066FF"/>
+          </a:solidFill>
+          <a:ln>
+            <a:noFill/>
+          </a:ln>
+        </p:spPr>
+        <p:style>
+          <a:lnRef idx="2">
+            <a:schemeClr val="accent1">
+              <a:shade val="50000"/>
+            </a:schemeClr>
+          </a:lnRef>
+          <a:fillRef idx="1">
+            <a:schemeClr val="accent1"/>
+          </a:fillRef>
+          <a:effectRef idx="0">
+            <a:schemeClr val="accent1"/>
+          </a:effectRef>
+          <a:fontRef idx="minor">
+            <a:schemeClr val="lt1"/>
+          </a:fontRef>
+        </p:style>
+        <p:txBody>
+          <a:bodyPr rtlCol="0" anchor="ctr"/>
+          <a:lstStyle/>
+          <a:p>
+            <a:pPr algn="ctr"/>
+            <a:endParaRPr lang="zh-TW" altLang="en-US"/>
+          </a:p>
+        </p:txBody>
+      </p:sp>
+      <p:sp>
+        <p:nvSpPr>
+          <p:cNvPr id="14" name="矩形 29">
+            <a:extLst>
+              <a:ext uri="{FF2B5EF4-FFF2-40B4-BE49-F238E27FC236}">
+                <a16:creationId xmlns:a16="http://schemas.microsoft.com/office/drawing/2014/main" id="{A737E261-934A-CA41-B890-14408EBFD305}"/>
+              </a:ext>
+            </a:extLst>
+          </p:cNvPr>
+          <p:cNvSpPr/>
+          <p:nvPr/>
+        </p:nvSpPr>
+        <p:spPr>
+          <a:xfrm>
+            <a:off x="4313411" y="3115490"/>
+            <a:ext cx="548640" cy="182880"/>
+          </a:xfrm>
+          <a:prstGeom prst="rect">
+            <a:avLst/>
+          </a:prstGeom>
+          <a:solidFill>
+            <a:srgbClr val="0066FF"/>
+          </a:solidFill>
+          <a:ln>
+            <a:noFill/>
+          </a:ln>
+        </p:spPr>
+        <p:style>
+          <a:lnRef idx="2">
+            <a:schemeClr val="accent1">
+              <a:shade val="50000"/>
+            </a:schemeClr>
+          </a:lnRef>
+          <a:fillRef idx="1">
+            <a:schemeClr val="accent1"/>
+          </a:fillRef>
+          <a:effectRef idx="0">
+            <a:schemeClr val="accent1"/>
+          </a:effectRef>
+          <a:fontRef idx="minor">
+            <a:schemeClr val="lt1"/>
+          </a:fontRef>
+        </p:style>
+        <p:txBody>
+          <a:bodyPr rtlCol="0" anchor="ctr"/>
+          <a:lstStyle/>
+          <a:p>
+            <a:pPr algn="ctr"/>
+            <a:endParaRPr lang="zh-TW" altLang="en-US"/>
+          </a:p>
+        </p:txBody>
+      </p:sp>
+      <p:sp>
+        <p:nvSpPr>
+          <p:cNvPr id="15" name="矩形 35">
+            <a:extLst>
+              <a:ext uri="{FF2B5EF4-FFF2-40B4-BE49-F238E27FC236}">
+                <a16:creationId xmlns:a16="http://schemas.microsoft.com/office/drawing/2014/main" id="{1435170B-D148-6749-BC6E-8BA76FAB982A}"/>
+              </a:ext>
+            </a:extLst>
+          </p:cNvPr>
+          <p:cNvSpPr/>
+          <p:nvPr/>
+        </p:nvSpPr>
+        <p:spPr>
+          <a:xfrm>
+            <a:off x="4098026" y="2698484"/>
+            <a:ext cx="851426" cy="152117"/>
+          </a:xfrm>
+          <a:prstGeom prst="rect">
+            <a:avLst/>
+          </a:prstGeom>
+          <a:solidFill>
+            <a:srgbClr val="0066FF"/>
+          </a:solidFill>
+          <a:ln>
+            <a:noFill/>
+          </a:ln>
+        </p:spPr>
+        <p:style>
+          <a:lnRef idx="2">
+            <a:schemeClr val="accent1">
+              <a:shade val="50000"/>
+            </a:schemeClr>
+          </a:lnRef>
+          <a:fillRef idx="1">
+            <a:schemeClr val="accent1"/>
+          </a:fillRef>
+          <a:effectRef idx="0">
+            <a:schemeClr val="accent1"/>
+          </a:effectRef>
+          <a:fontRef idx="minor">
+            <a:schemeClr val="lt1"/>
+          </a:fontRef>
+        </p:style>
+        <p:txBody>
+          <a:bodyPr rtlCol="0" anchor="ctr"/>
+          <a:lstStyle/>
+          <a:p>
+            <a:pPr algn="ctr"/>
+            <a:endParaRPr lang="zh-TW" altLang="en-US"/>
+          </a:p>
+        </p:txBody>
+      </p:sp>
+      <p:sp>
+        <p:nvSpPr>
+          <p:cNvPr id="16" name="矩形 36">
+            <a:extLst>
+              <a:ext uri="{FF2B5EF4-FFF2-40B4-BE49-F238E27FC236}">
+                <a16:creationId xmlns:a16="http://schemas.microsoft.com/office/drawing/2014/main" id="{B627EF0F-16AE-7744-B064-C1EA3D3D41C5}"/>
+              </a:ext>
+            </a:extLst>
+          </p:cNvPr>
+          <p:cNvSpPr/>
+          <p:nvPr/>
+        </p:nvSpPr>
+        <p:spPr>
+          <a:xfrm>
+            <a:off x="4119429" y="2454082"/>
+            <a:ext cx="440387" cy="242034"/>
+          </a:xfrm>
+          <a:prstGeom prst="rect">
+            <a:avLst/>
+          </a:prstGeom>
+          <a:solidFill>
+            <a:schemeClr val="bg1"/>
+          </a:solidFill>
+          <a:ln>
+            <a:noFill/>
+          </a:ln>
+        </p:spPr>
+        <p:style>
+          <a:lnRef idx="2">
+            <a:schemeClr val="accent1">
+              <a:shade val="50000"/>
+            </a:schemeClr>
+          </a:lnRef>
+          <a:fillRef idx="1">
+            <a:schemeClr val="accent1"/>
+          </a:fillRef>
+          <a:effectRef idx="0">
+            <a:schemeClr val="accent1"/>
+          </a:effectRef>
+          <a:fontRef idx="minor">
+            <a:schemeClr val="lt1"/>
+          </a:fontRef>
+        </p:style>
+        <p:txBody>
+          <a:bodyPr rtlCol="0" anchor="ctr"/>
+          <a:lstStyle/>
+          <a:p>
+            <a:pPr algn="ctr"/>
+            <a:endParaRPr lang="zh-TW" altLang="en-US"/>
+          </a:p>
+        </p:txBody>
+      </p:sp>
+      <p:grpSp>
+        <p:nvGrpSpPr>
+          <p:cNvPr id="17" name="群組 22">
+            <a:extLst>
+              <a:ext uri="{FF2B5EF4-FFF2-40B4-BE49-F238E27FC236}">
+                <a16:creationId xmlns:a16="http://schemas.microsoft.com/office/drawing/2014/main" id="{04C0AFAB-704E-ED40-B0FC-EA532CD5F144}"/>
+              </a:ext>
+            </a:extLst>
+          </p:cNvPr>
+          <p:cNvGrpSpPr/>
+          <p:nvPr/>
+        </p:nvGrpSpPr>
+        <p:grpSpPr>
+          <a:xfrm>
+            <a:off x="4098648" y="2080687"/>
+            <a:ext cx="462128" cy="462128"/>
+            <a:chOff x="4465320" y="3512820"/>
+            <a:chExt cx="462128" cy="462128"/>
+          </a:xfrm>
+        </p:grpSpPr>
+        <p:sp>
+          <p:nvSpPr>
+            <p:cNvPr id="18" name="橢圓 23">
+              <a:extLst>
+                <a:ext uri="{FF2B5EF4-FFF2-40B4-BE49-F238E27FC236}">
+                  <a16:creationId xmlns:a16="http://schemas.microsoft.com/office/drawing/2014/main" id="{033442F6-7504-1F41-8BDB-A5143251398E}"/>
+                </a:ext>
+              </a:extLst>
+            </p:cNvPr>
+            <p:cNvSpPr/>
+            <p:nvPr/>
+          </p:nvSpPr>
+          <p:spPr>
+            <a:xfrm>
+              <a:off x="4465320" y="3512820"/>
+              <a:ext cx="462128" cy="462128"/>
+            </a:xfrm>
+            <a:prstGeom prst="ellipse">
+              <a:avLst/>
+            </a:prstGeom>
+            <a:solidFill>
+              <a:srgbClr val="0066FF"/>
+            </a:solidFill>
+            <a:ln>
+              <a:noFill/>
+            </a:ln>
+          </p:spPr>
+          <p:style>
+            <a:lnRef idx="2">
+              <a:schemeClr val="accent1">
+                <a:shade val="50000"/>
+              </a:schemeClr>
+            </a:lnRef>
+            <a:fillRef idx="1">
+              <a:schemeClr val="accent1"/>
+            </a:fillRef>
+            <a:effectRef idx="0">
+              <a:schemeClr val="accent1"/>
+            </a:effectRef>
+            <a:fontRef idx="minor">
+              <a:schemeClr val="lt1"/>
+            </a:fontRef>
+          </p:style>
+          <p:txBody>
+            <a:bodyPr rtlCol="0" anchor="ctr"/>
+            <a:lstStyle/>
+            <a:p>
+              <a:pPr algn="ctr"/>
+              <a:endParaRPr lang="zh-TW" altLang="en-US"/>
+            </a:p>
+          </p:txBody>
+        </p:sp>
+        <p:sp>
+          <p:nvSpPr>
+            <p:cNvPr id="19" name="橢圓 24">
+              <a:extLst>
+                <a:ext uri="{FF2B5EF4-FFF2-40B4-BE49-F238E27FC236}">
+                  <a16:creationId xmlns:a16="http://schemas.microsoft.com/office/drawing/2014/main" id="{05037593-D6E2-DB46-AD80-9C3343BA73D8}"/>
+                </a:ext>
+              </a:extLst>
+            </p:cNvPr>
+            <p:cNvSpPr/>
+            <p:nvPr/>
+          </p:nvSpPr>
+          <p:spPr>
+            <a:xfrm>
+              <a:off x="4604944" y="3652444"/>
+              <a:ext cx="182880" cy="182880"/>
+            </a:xfrm>
+            <a:prstGeom prst="ellipse">
+              <a:avLst/>
+            </a:prstGeom>
+            <a:solidFill>
+              <a:schemeClr val="bg1"/>
+            </a:solidFill>
+            <a:ln>
+              <a:noFill/>
+            </a:ln>
+          </p:spPr>
+          <p:style>
+            <a:lnRef idx="2">
+              <a:schemeClr val="accent1">
+                <a:shade val="50000"/>
+              </a:schemeClr>
+            </a:lnRef>
+            <a:fillRef idx="1">
+              <a:schemeClr val="accent1"/>
+            </a:fillRef>
+            <a:effectRef idx="0">
+              <a:schemeClr val="accent1"/>
+            </a:effectRef>
+            <a:fontRef idx="minor">
+              <a:schemeClr val="lt1"/>
+            </a:fontRef>
+          </p:style>
+          <p:txBody>
+            <a:bodyPr rtlCol="0" anchor="ctr"/>
+            <a:lstStyle/>
+            <a:p>
+              <a:pPr algn="ctr"/>
+              <a:endParaRPr lang="zh-TW" altLang="en-US"/>
+            </a:p>
+          </p:txBody>
+        </p:sp>
+      </p:grpSp>
+      <p:sp>
+        <p:nvSpPr>
+          <p:cNvPr id="20" name="橢圓 3">
+            <a:extLst>
+              <a:ext uri="{FF2B5EF4-FFF2-40B4-BE49-F238E27FC236}">
+                <a16:creationId xmlns:a16="http://schemas.microsoft.com/office/drawing/2014/main" id="{5231301D-9444-E44C-A75D-04FB3C278AC4}"/>
+              </a:ext>
+            </a:extLst>
+          </p:cNvPr>
+          <p:cNvSpPr/>
+          <p:nvPr/>
+        </p:nvSpPr>
+        <p:spPr>
+          <a:xfrm>
+            <a:off x="4950406" y="1842495"/>
+            <a:ext cx="1794018" cy="1794442"/>
+          </a:xfrm>
+          <a:prstGeom prst="ellipse">
+            <a:avLst/>
+          </a:prstGeom>
+          <a:solidFill>
+            <a:schemeClr val="bg1"/>
+          </a:solidFill>
+          <a:ln>
+            <a:noFill/>
+          </a:ln>
+        </p:spPr>
+        <p:style>
+          <a:lnRef idx="2">
+            <a:schemeClr val="accent1">
+              <a:shade val="50000"/>
+            </a:schemeClr>
+          </a:lnRef>
+          <a:fillRef idx="1">
+            <a:schemeClr val="accent1"/>
+          </a:fillRef>
+          <a:effectRef idx="0">
+            <a:schemeClr val="accent1"/>
+          </a:effectRef>
+          <a:fontRef idx="minor">
+            <a:schemeClr val="lt1"/>
+          </a:fontRef>
+        </p:style>
+        <p:txBody>
+          <a:bodyPr rtlCol="0" anchor="ctr"/>
+          <a:lstStyle/>
+          <a:p>
+            <a:pPr algn="ctr"/>
+            <a:endParaRPr lang="zh-TW" altLang="en-US"/>
+          </a:p>
+        </p:txBody>
+      </p:sp>
+      <p:grpSp>
+        <p:nvGrpSpPr>
+          <p:cNvPr id="21" name="群組 9">
+            <a:extLst>
+              <a:ext uri="{FF2B5EF4-FFF2-40B4-BE49-F238E27FC236}">
+                <a16:creationId xmlns:a16="http://schemas.microsoft.com/office/drawing/2014/main" id="{235C217D-3303-CA42-B2CE-DDC03AB86A62}"/>
+              </a:ext>
+            </a:extLst>
+          </p:cNvPr>
+          <p:cNvGrpSpPr/>
+          <p:nvPr/>
+        </p:nvGrpSpPr>
+        <p:grpSpPr>
+          <a:xfrm>
+            <a:off x="4505892" y="2408303"/>
+            <a:ext cx="336241" cy="336241"/>
+            <a:chOff x="6304538" y="2879316"/>
+            <a:chExt cx="336241" cy="336241"/>
+          </a:xfrm>
+        </p:grpSpPr>
+        <p:sp>
+          <p:nvSpPr>
+            <p:cNvPr id="22" name="橢圓 37">
+              <a:extLst>
+                <a:ext uri="{FF2B5EF4-FFF2-40B4-BE49-F238E27FC236}">
+                  <a16:creationId xmlns:a16="http://schemas.microsoft.com/office/drawing/2014/main" id="{16C787BD-3335-1D46-80D6-FB9A11B69573}"/>
+                </a:ext>
+              </a:extLst>
+            </p:cNvPr>
+            <p:cNvSpPr/>
+            <p:nvPr/>
+          </p:nvSpPr>
+          <p:spPr>
+            <a:xfrm>
+              <a:off x="6304538" y="2879316"/>
+              <a:ext cx="336241" cy="336241"/>
+            </a:xfrm>
+            <a:prstGeom prst="ellipse">
+              <a:avLst/>
+            </a:prstGeom>
+            <a:solidFill>
+              <a:schemeClr val="bg1"/>
+            </a:solidFill>
+            <a:ln>
+              <a:noFill/>
+            </a:ln>
+          </p:spPr>
+          <p:style>
+            <a:lnRef idx="2">
+              <a:schemeClr val="accent1">
+                <a:shade val="50000"/>
+              </a:schemeClr>
+            </a:lnRef>
+            <a:fillRef idx="1">
+              <a:schemeClr val="accent1"/>
+            </a:fillRef>
+            <a:effectRef idx="0">
+              <a:schemeClr val="accent1"/>
+            </a:effectRef>
+            <a:fontRef idx="minor">
+              <a:schemeClr val="lt1"/>
+            </a:fontRef>
+          </p:style>
+          <p:txBody>
+            <a:bodyPr rtlCol="0" anchor="ctr"/>
+            <a:lstStyle/>
+            <a:p>
+              <a:pPr algn="ctr"/>
+              <a:endParaRPr lang="zh-TW" altLang="en-US"/>
+            </a:p>
+          </p:txBody>
+        </p:sp>
+        <p:sp>
+          <p:nvSpPr>
+            <p:cNvPr id="23" name="橢圓 39">
+              <a:extLst>
+                <a:ext uri="{FF2B5EF4-FFF2-40B4-BE49-F238E27FC236}">
+                  <a16:creationId xmlns:a16="http://schemas.microsoft.com/office/drawing/2014/main" id="{CDE5653E-C4D4-FC4D-8255-A76EB5F8A234}"/>
+                </a:ext>
+              </a:extLst>
+            </p:cNvPr>
+            <p:cNvSpPr/>
+            <p:nvPr/>
+          </p:nvSpPr>
+          <p:spPr>
+            <a:xfrm>
+              <a:off x="6375502" y="2947380"/>
+              <a:ext cx="194312" cy="194312"/>
+            </a:xfrm>
+            <a:prstGeom prst="ellipse">
+              <a:avLst/>
+            </a:prstGeom>
+            <a:solidFill>
+              <a:srgbClr val="0066FF"/>
+            </a:solidFill>
+            <a:ln>
+              <a:noFill/>
+            </a:ln>
+          </p:spPr>
+          <p:style>
+            <a:lnRef idx="2">
+              <a:schemeClr val="accent1">
+                <a:shade val="50000"/>
+              </a:schemeClr>
+            </a:lnRef>
+            <a:fillRef idx="1">
+              <a:schemeClr val="accent1"/>
+            </a:fillRef>
+            <a:effectRef idx="0">
+              <a:schemeClr val="accent1"/>
+            </a:effectRef>
+            <a:fontRef idx="minor">
+              <a:schemeClr val="lt1"/>
+            </a:fontRef>
+          </p:style>
+          <p:txBody>
+            <a:bodyPr rtlCol="0" anchor="ctr"/>
+            <a:lstStyle/>
+            <a:p>
+              <a:pPr algn="ctr"/>
+              <a:endParaRPr lang="zh-TW" altLang="en-US"/>
+            </a:p>
+          </p:txBody>
+        </p:sp>
+      </p:grpSp>
+      <p:grpSp>
+        <p:nvGrpSpPr>
+          <p:cNvPr id="24" name="群組 49">
+            <a:extLst>
+              <a:ext uri="{FF2B5EF4-FFF2-40B4-BE49-F238E27FC236}">
+                <a16:creationId xmlns:a16="http://schemas.microsoft.com/office/drawing/2014/main" id="{C05492C2-63CB-CA48-A2FA-F7912F718F81}"/>
+              </a:ext>
+            </a:extLst>
+          </p:cNvPr>
+          <p:cNvGrpSpPr/>
+          <p:nvPr/>
+        </p:nvGrpSpPr>
+        <p:grpSpPr>
+          <a:xfrm>
+            <a:off x="5407453" y="2618130"/>
+            <a:ext cx="236625" cy="236625"/>
+            <a:chOff x="10107122" y="3179311"/>
+            <a:chExt cx="236625" cy="236625"/>
+          </a:xfrm>
+        </p:grpSpPr>
+        <p:sp>
+          <p:nvSpPr>
+            <p:cNvPr id="25" name="矩形 50">
+              <a:extLst>
+                <a:ext uri="{FF2B5EF4-FFF2-40B4-BE49-F238E27FC236}">
+                  <a16:creationId xmlns:a16="http://schemas.microsoft.com/office/drawing/2014/main" id="{7D362868-70F4-9043-BF71-0E7C637376D9}"/>
+                </a:ext>
+              </a:extLst>
+            </p:cNvPr>
+            <p:cNvSpPr/>
+            <p:nvPr/>
+          </p:nvSpPr>
+          <p:spPr>
+            <a:xfrm>
+              <a:off x="10107122" y="3179311"/>
+              <a:ext cx="236625" cy="236625"/>
+            </a:xfrm>
+            <a:prstGeom prst="rect">
+              <a:avLst/>
+            </a:prstGeom>
+            <a:solidFill>
+              <a:srgbClr val="0066FF"/>
+            </a:solidFill>
+            <a:ln>
+              <a:noFill/>
+            </a:ln>
+          </p:spPr>
+          <p:style>
+            <a:lnRef idx="2">
+              <a:schemeClr val="accent1">
+                <a:shade val="50000"/>
+              </a:schemeClr>
+            </a:lnRef>
+            <a:fillRef idx="1">
+              <a:schemeClr val="accent1"/>
+            </a:fillRef>
+            <a:effectRef idx="0">
+              <a:schemeClr val="accent1"/>
+            </a:effectRef>
+            <a:fontRef idx="minor">
+              <a:schemeClr val="lt1"/>
+            </a:fontRef>
+          </p:style>
+          <p:txBody>
+            <a:bodyPr rtlCol="0" anchor="ctr"/>
+            <a:lstStyle/>
+            <a:p>
+              <a:pPr algn="ctr"/>
+              <a:endParaRPr lang="zh-TW" altLang="en-US"/>
+            </a:p>
+          </p:txBody>
+        </p:sp>
+        <p:sp>
+          <p:nvSpPr>
+            <p:cNvPr id="26" name="矩形 51">
+              <a:extLst>
+                <a:ext uri="{FF2B5EF4-FFF2-40B4-BE49-F238E27FC236}">
+                  <a16:creationId xmlns:a16="http://schemas.microsoft.com/office/drawing/2014/main" id="{D08A714D-8EEA-B24E-9770-D1D9A4533823}"/>
+                </a:ext>
+              </a:extLst>
+            </p:cNvPr>
+            <p:cNvSpPr/>
+            <p:nvPr/>
+          </p:nvSpPr>
+          <p:spPr>
+            <a:xfrm>
+              <a:off x="10166177" y="3238366"/>
+              <a:ext cx="118515" cy="118515"/>
+            </a:xfrm>
+            <a:prstGeom prst="rect">
+              <a:avLst/>
+            </a:prstGeom>
+            <a:solidFill>
+              <a:schemeClr val="bg1"/>
+            </a:solidFill>
+            <a:ln>
+              <a:noFill/>
+            </a:ln>
+          </p:spPr>
+          <p:style>
+            <a:lnRef idx="2">
+              <a:schemeClr val="accent1">
+                <a:shade val="50000"/>
+              </a:schemeClr>
+            </a:lnRef>
+            <a:fillRef idx="1">
+              <a:schemeClr val="accent1"/>
+            </a:fillRef>
+            <a:effectRef idx="0">
+              <a:schemeClr val="accent1"/>
+            </a:effectRef>
+            <a:fontRef idx="minor">
+              <a:schemeClr val="lt1"/>
+            </a:fontRef>
+          </p:style>
+          <p:txBody>
+            <a:bodyPr rtlCol="0" anchor="ctr"/>
+            <a:lstStyle/>
+            <a:p>
+              <a:pPr algn="ctr"/>
+              <a:endParaRPr lang="zh-TW" altLang="en-US"/>
+            </a:p>
+          </p:txBody>
+        </p:sp>
+      </p:grpSp>
+      <p:grpSp>
+        <p:nvGrpSpPr>
+          <p:cNvPr id="27" name="群組 52">
+            <a:extLst>
+              <a:ext uri="{FF2B5EF4-FFF2-40B4-BE49-F238E27FC236}">
+                <a16:creationId xmlns:a16="http://schemas.microsoft.com/office/drawing/2014/main" id="{2496777E-9B92-E04E-8710-0DC149260EB2}"/>
+              </a:ext>
+            </a:extLst>
+          </p:cNvPr>
+          <p:cNvGrpSpPr/>
+          <p:nvPr/>
+        </p:nvGrpSpPr>
+        <p:grpSpPr>
+          <a:xfrm>
+            <a:off x="5804500" y="3004941"/>
+            <a:ext cx="236625" cy="236625"/>
+            <a:chOff x="10107122" y="3179311"/>
+            <a:chExt cx="236625" cy="236625"/>
+          </a:xfrm>
+        </p:grpSpPr>
+        <p:sp>
+          <p:nvSpPr>
+            <p:cNvPr id="28" name="矩形 53">
+              <a:extLst>
+                <a:ext uri="{FF2B5EF4-FFF2-40B4-BE49-F238E27FC236}">
+                  <a16:creationId xmlns:a16="http://schemas.microsoft.com/office/drawing/2014/main" id="{55CBA756-FAEB-6245-A681-1F7B2B4F9DC6}"/>
+                </a:ext>
+              </a:extLst>
+            </p:cNvPr>
+            <p:cNvSpPr/>
+            <p:nvPr/>
+          </p:nvSpPr>
+          <p:spPr>
+            <a:xfrm>
+              <a:off x="10107122" y="3179311"/>
+              <a:ext cx="236625" cy="236625"/>
+            </a:xfrm>
+            <a:prstGeom prst="rect">
+              <a:avLst/>
+            </a:prstGeom>
+            <a:solidFill>
+              <a:srgbClr val="0066FF"/>
+            </a:solidFill>
+            <a:ln>
+              <a:noFill/>
+            </a:ln>
+          </p:spPr>
+          <p:style>
+            <a:lnRef idx="2">
+              <a:schemeClr val="accent1">
+                <a:shade val="50000"/>
+              </a:schemeClr>
+            </a:lnRef>
+            <a:fillRef idx="1">
+              <a:schemeClr val="accent1"/>
+            </a:fillRef>
+            <a:effectRef idx="0">
+              <a:schemeClr val="accent1"/>
+            </a:effectRef>
+            <a:fontRef idx="minor">
+              <a:schemeClr val="lt1"/>
+            </a:fontRef>
+          </p:style>
+          <p:txBody>
+            <a:bodyPr rtlCol="0" anchor="ctr"/>
+            <a:lstStyle/>
+            <a:p>
+              <a:pPr algn="ctr"/>
+              <a:endParaRPr lang="zh-TW" altLang="en-US"/>
+            </a:p>
+          </p:txBody>
+        </p:sp>
+        <p:sp>
+          <p:nvSpPr>
+            <p:cNvPr id="29" name="矩形 54">
+              <a:extLst>
+                <a:ext uri="{FF2B5EF4-FFF2-40B4-BE49-F238E27FC236}">
+                  <a16:creationId xmlns:a16="http://schemas.microsoft.com/office/drawing/2014/main" id="{208B7609-3730-CE49-A997-BE8BC83E9E20}"/>
+                </a:ext>
+              </a:extLst>
+            </p:cNvPr>
+            <p:cNvSpPr/>
+            <p:nvPr/>
+          </p:nvSpPr>
+          <p:spPr>
+            <a:xfrm>
+              <a:off x="10166177" y="3238366"/>
+              <a:ext cx="118515" cy="118515"/>
+            </a:xfrm>
+            <a:prstGeom prst="rect">
+              <a:avLst/>
+            </a:prstGeom>
+            <a:solidFill>
+              <a:schemeClr val="bg1"/>
+            </a:solidFill>
+            <a:ln>
+              <a:noFill/>
+            </a:ln>
+          </p:spPr>
+          <p:style>
+            <a:lnRef idx="2">
+              <a:schemeClr val="accent1">
+                <a:shade val="50000"/>
+              </a:schemeClr>
+            </a:lnRef>
+            <a:fillRef idx="1">
+              <a:schemeClr val="accent1"/>
+            </a:fillRef>
+            <a:effectRef idx="0">
+              <a:schemeClr val="accent1"/>
+            </a:effectRef>
+            <a:fontRef idx="minor">
+              <a:schemeClr val="lt1"/>
+            </a:fontRef>
+          </p:style>
+          <p:txBody>
+            <a:bodyPr rtlCol="0" anchor="ctr"/>
+            <a:lstStyle/>
+            <a:p>
+              <a:pPr algn="ctr"/>
+              <a:endParaRPr lang="zh-TW" altLang="en-US"/>
+            </a:p>
+          </p:txBody>
+        </p:sp>
+      </p:grpSp>
+      <p:grpSp>
+        <p:nvGrpSpPr>
+          <p:cNvPr id="30" name="群組 55">
+            <a:extLst>
+              <a:ext uri="{FF2B5EF4-FFF2-40B4-BE49-F238E27FC236}">
+                <a16:creationId xmlns:a16="http://schemas.microsoft.com/office/drawing/2014/main" id="{99796CCD-3FA4-B248-A5F2-A3AEA8057899}"/>
+              </a:ext>
+            </a:extLst>
+          </p:cNvPr>
+          <p:cNvGrpSpPr/>
+          <p:nvPr/>
+        </p:nvGrpSpPr>
+        <p:grpSpPr>
+          <a:xfrm>
+            <a:off x="5922812" y="2380914"/>
+            <a:ext cx="236625" cy="236625"/>
+            <a:chOff x="10107122" y="3179311"/>
+            <a:chExt cx="236625" cy="236625"/>
+          </a:xfrm>
+        </p:grpSpPr>
+        <p:sp>
+          <p:nvSpPr>
+            <p:cNvPr id="31" name="矩形 56">
+              <a:extLst>
+                <a:ext uri="{FF2B5EF4-FFF2-40B4-BE49-F238E27FC236}">
+                  <a16:creationId xmlns:a16="http://schemas.microsoft.com/office/drawing/2014/main" id="{B5B2E047-6B6B-5E49-81D3-CE5234BA221F}"/>
+                </a:ext>
+              </a:extLst>
+            </p:cNvPr>
+            <p:cNvSpPr/>
+            <p:nvPr/>
+          </p:nvSpPr>
+          <p:spPr>
+            <a:xfrm>
+              <a:off x="10107122" y="3179311"/>
+              <a:ext cx="236625" cy="236625"/>
+            </a:xfrm>
+            <a:prstGeom prst="rect">
+              <a:avLst/>
+            </a:prstGeom>
+            <a:solidFill>
+              <a:srgbClr val="0066FF"/>
+            </a:solidFill>
+            <a:ln>
+              <a:noFill/>
+            </a:ln>
+          </p:spPr>
+          <p:style>
+            <a:lnRef idx="2">
+              <a:schemeClr val="accent1">
+                <a:shade val="50000"/>
+              </a:schemeClr>
+            </a:lnRef>
+            <a:fillRef idx="1">
+              <a:schemeClr val="accent1"/>
+            </a:fillRef>
+            <a:effectRef idx="0">
+              <a:schemeClr val="accent1"/>
+            </a:effectRef>
+            <a:fontRef idx="minor">
+              <a:schemeClr val="lt1"/>
+            </a:fontRef>
+          </p:style>
+          <p:txBody>
+            <a:bodyPr rtlCol="0" anchor="ctr"/>
+            <a:lstStyle/>
+            <a:p>
+              <a:pPr algn="ctr"/>
+              <a:endParaRPr lang="zh-TW" altLang="en-US"/>
+            </a:p>
+          </p:txBody>
+        </p:sp>
+        <p:sp>
+          <p:nvSpPr>
+            <p:cNvPr id="32" name="矩形 57">
+              <a:extLst>
+                <a:ext uri="{FF2B5EF4-FFF2-40B4-BE49-F238E27FC236}">
+                  <a16:creationId xmlns:a16="http://schemas.microsoft.com/office/drawing/2014/main" id="{F46C048F-D351-244B-B8AD-82FC550ADD85}"/>
+                </a:ext>
+              </a:extLst>
+            </p:cNvPr>
+            <p:cNvSpPr/>
+            <p:nvPr/>
+          </p:nvSpPr>
+          <p:spPr>
+            <a:xfrm>
+              <a:off x="10166177" y="3238366"/>
+              <a:ext cx="118515" cy="118515"/>
+            </a:xfrm>
+            <a:prstGeom prst="rect">
+              <a:avLst/>
+            </a:prstGeom>
+            <a:solidFill>
+              <a:schemeClr val="bg1"/>
+            </a:solidFill>
+            <a:ln>
+              <a:noFill/>
+            </a:ln>
+          </p:spPr>
+          <p:style>
+            <a:lnRef idx="2">
+              <a:schemeClr val="accent1">
+                <a:shade val="50000"/>
+              </a:schemeClr>
+            </a:lnRef>
+            <a:fillRef idx="1">
+              <a:schemeClr val="accent1"/>
+            </a:fillRef>
+            <a:effectRef idx="0">
+              <a:schemeClr val="accent1"/>
+            </a:effectRef>
+            <a:fontRef idx="minor">
+              <a:schemeClr val="lt1"/>
+            </a:fontRef>
+          </p:style>
+          <p:txBody>
+            <a:bodyPr rtlCol="0" anchor="ctr"/>
+            <a:lstStyle/>
+            <a:p>
+              <a:pPr algn="ctr"/>
+              <a:endParaRPr lang="zh-TW" altLang="en-US"/>
+            </a:p>
+          </p:txBody>
+        </p:sp>
+      </p:grpSp>
+      <p:sp>
+        <p:nvSpPr>
+          <p:cNvPr id="33" name="矩形 59">
+            <a:extLst>
+              <a:ext uri="{FF2B5EF4-FFF2-40B4-BE49-F238E27FC236}">
+                <a16:creationId xmlns:a16="http://schemas.microsoft.com/office/drawing/2014/main" id="{740998BA-BB06-AF4F-8CC9-7352284226D3}"/>
+              </a:ext>
+            </a:extLst>
+          </p:cNvPr>
+          <p:cNvSpPr/>
+          <p:nvPr/>
+        </p:nvSpPr>
+        <p:spPr>
+          <a:xfrm>
+            <a:off x="4936392" y="2720888"/>
+            <a:ext cx="485356" cy="45719"/>
+          </a:xfrm>
+          <a:prstGeom prst="rect">
+            <a:avLst/>
+          </a:prstGeom>
+          <a:solidFill>
+            <a:srgbClr val="0066FF"/>
+          </a:solidFill>
+          <a:ln>
+            <a:noFill/>
+          </a:ln>
+        </p:spPr>
+        <p:style>
+          <a:lnRef idx="2">
+            <a:schemeClr val="accent1">
+              <a:shade val="50000"/>
+            </a:schemeClr>
+          </a:lnRef>
+          <a:fillRef idx="1">
+            <a:schemeClr val="accent1"/>
+          </a:fillRef>
+          <a:effectRef idx="0">
+            <a:schemeClr val="accent1"/>
+          </a:effectRef>
+          <a:fontRef idx="minor">
+            <a:schemeClr val="lt1"/>
+          </a:fontRef>
+        </p:style>
+        <p:txBody>
+          <a:bodyPr rtlCol="0" anchor="ctr"/>
+          <a:lstStyle/>
+          <a:p>
+            <a:pPr algn="ctr"/>
+            <a:endParaRPr lang="zh-TW" altLang="en-US"/>
+          </a:p>
+        </p:txBody>
+      </p:sp>
+      <p:sp>
+        <p:nvSpPr>
+          <p:cNvPr id="34" name="矩形 60">
+            <a:extLst>
+              <a:ext uri="{FF2B5EF4-FFF2-40B4-BE49-F238E27FC236}">
+                <a16:creationId xmlns:a16="http://schemas.microsoft.com/office/drawing/2014/main" id="{C457A4A0-EAEE-E14A-872A-4B181AA8C3C9}"/>
+              </a:ext>
+            </a:extLst>
+          </p:cNvPr>
+          <p:cNvSpPr/>
+          <p:nvPr/>
+        </p:nvSpPr>
+        <p:spPr>
+          <a:xfrm>
+            <a:off x="6135315" y="2474595"/>
+            <a:ext cx="662998" cy="45719"/>
+          </a:xfrm>
+          <a:prstGeom prst="rect">
+            <a:avLst/>
+          </a:prstGeom>
+          <a:solidFill>
+            <a:srgbClr val="0066FF"/>
+          </a:solidFill>
+          <a:ln>
+            <a:noFill/>
+          </a:ln>
+        </p:spPr>
+        <p:style>
+          <a:lnRef idx="2">
+            <a:schemeClr val="accent1">
+              <a:shade val="50000"/>
+            </a:schemeClr>
+          </a:lnRef>
+          <a:fillRef idx="1">
+            <a:schemeClr val="accent1"/>
+          </a:fillRef>
+          <a:effectRef idx="0">
+            <a:schemeClr val="accent1"/>
+          </a:effectRef>
+          <a:fontRef idx="minor">
+            <a:schemeClr val="lt1"/>
+          </a:fontRef>
+        </p:style>
+        <p:txBody>
+          <a:bodyPr rtlCol="0" anchor="ctr"/>
+          <a:lstStyle/>
+          <a:p>
+            <a:pPr algn="ctr"/>
+            <a:endParaRPr lang="zh-TW" altLang="en-US"/>
+          </a:p>
+        </p:txBody>
+      </p:sp>
+      <p:sp>
+        <p:nvSpPr>
+          <p:cNvPr id="35" name="矩形 71">
+            <a:extLst>
+              <a:ext uri="{FF2B5EF4-FFF2-40B4-BE49-F238E27FC236}">
+                <a16:creationId xmlns:a16="http://schemas.microsoft.com/office/drawing/2014/main" id="{186234A9-F4B0-0440-991D-E06F49AB513D}"/>
+              </a:ext>
+            </a:extLst>
+          </p:cNvPr>
+          <p:cNvSpPr/>
+          <p:nvPr/>
+        </p:nvSpPr>
+        <p:spPr>
+          <a:xfrm rot="5400000">
+            <a:off x="5442272" y="2909750"/>
+            <a:ext cx="182880" cy="45720"/>
+          </a:xfrm>
+          <a:prstGeom prst="rect">
+            <a:avLst/>
+          </a:prstGeom>
+          <a:solidFill>
+            <a:srgbClr val="0066FF"/>
+          </a:solidFill>
+          <a:ln>
+            <a:noFill/>
+          </a:ln>
+        </p:spPr>
+        <p:style>
+          <a:lnRef idx="2">
+            <a:schemeClr val="accent1">
+              <a:shade val="50000"/>
+            </a:schemeClr>
+          </a:lnRef>
+          <a:fillRef idx="1">
+            <a:schemeClr val="accent1"/>
+          </a:fillRef>
+          <a:effectRef idx="0">
+            <a:schemeClr val="accent1"/>
+          </a:effectRef>
+          <a:fontRef idx="minor">
+            <a:schemeClr val="lt1"/>
+          </a:fontRef>
+        </p:style>
+        <p:txBody>
+          <a:bodyPr rtlCol="0" anchor="ctr"/>
+          <a:lstStyle/>
+          <a:p>
+            <a:pPr algn="ctr"/>
+            <a:endParaRPr lang="zh-TW" altLang="en-US"/>
+          </a:p>
+        </p:txBody>
+      </p:sp>
+      <p:sp>
+        <p:nvSpPr>
+          <p:cNvPr id="36" name="矩形 72">
+            <a:extLst>
+              <a:ext uri="{FF2B5EF4-FFF2-40B4-BE49-F238E27FC236}">
+                <a16:creationId xmlns:a16="http://schemas.microsoft.com/office/drawing/2014/main" id="{17B12FFD-C251-854A-B978-9BC86405F9B9}"/>
+              </a:ext>
+            </a:extLst>
+          </p:cNvPr>
+          <p:cNvSpPr/>
+          <p:nvPr/>
+        </p:nvSpPr>
+        <p:spPr>
+          <a:xfrm rot="19723702">
+            <a:off x="5081648" y="3120787"/>
+            <a:ext cx="516212" cy="50145"/>
+          </a:xfrm>
+          <a:prstGeom prst="rect">
+            <a:avLst/>
+          </a:prstGeom>
+          <a:solidFill>
+            <a:srgbClr val="0066FF"/>
+          </a:solidFill>
+          <a:ln>
+            <a:noFill/>
+          </a:ln>
+        </p:spPr>
+        <p:style>
+          <a:lnRef idx="2">
+            <a:schemeClr val="accent1">
+              <a:shade val="50000"/>
+            </a:schemeClr>
+          </a:lnRef>
+          <a:fillRef idx="1">
+            <a:schemeClr val="accent1"/>
+          </a:fillRef>
+          <a:effectRef idx="0">
+            <a:schemeClr val="accent1"/>
+          </a:effectRef>
+          <a:fontRef idx="minor">
+            <a:schemeClr val="lt1"/>
+          </a:fontRef>
+        </p:style>
+        <p:txBody>
+          <a:bodyPr rtlCol="0" anchor="ctr"/>
+          <a:lstStyle/>
+          <a:p>
+            <a:pPr algn="ctr"/>
+            <a:endParaRPr lang="zh-TW" altLang="en-US"/>
+          </a:p>
+        </p:txBody>
+      </p:sp>
+      <p:sp>
+        <p:nvSpPr>
+          <p:cNvPr id="37" name="矩形 73">
+            <a:extLst>
+              <a:ext uri="{FF2B5EF4-FFF2-40B4-BE49-F238E27FC236}">
+                <a16:creationId xmlns:a16="http://schemas.microsoft.com/office/drawing/2014/main" id="{09C76F17-F394-E84D-8766-D7DCD0D36BF5}"/>
+              </a:ext>
+            </a:extLst>
+          </p:cNvPr>
+          <p:cNvSpPr/>
+          <p:nvPr/>
+        </p:nvSpPr>
+        <p:spPr>
+          <a:xfrm rot="2700000">
+            <a:off x="5509468" y="3048383"/>
+            <a:ext cx="182880" cy="45720"/>
+          </a:xfrm>
+          <a:prstGeom prst="rect">
+            <a:avLst/>
+          </a:prstGeom>
+          <a:solidFill>
+            <a:srgbClr val="0066FF"/>
+          </a:solidFill>
+          <a:ln>
+            <a:noFill/>
+          </a:ln>
+        </p:spPr>
+        <p:style>
+          <a:lnRef idx="2">
+            <a:schemeClr val="accent1">
+              <a:shade val="50000"/>
+            </a:schemeClr>
+          </a:lnRef>
+          <a:fillRef idx="1">
+            <a:schemeClr val="accent1"/>
+          </a:fillRef>
+          <a:effectRef idx="0">
+            <a:schemeClr val="accent1"/>
+          </a:effectRef>
+          <a:fontRef idx="minor">
+            <a:schemeClr val="lt1"/>
+          </a:fontRef>
+        </p:style>
+        <p:txBody>
+          <a:bodyPr rtlCol="0" anchor="ctr"/>
+          <a:lstStyle/>
+          <a:p>
+            <a:pPr algn="ctr"/>
+            <a:endParaRPr lang="zh-TW" altLang="en-US"/>
+          </a:p>
+        </p:txBody>
+      </p:sp>
+      <p:sp>
+        <p:nvSpPr>
+          <p:cNvPr id="38" name="矩形 74">
+            <a:extLst>
+              <a:ext uri="{FF2B5EF4-FFF2-40B4-BE49-F238E27FC236}">
+                <a16:creationId xmlns:a16="http://schemas.microsoft.com/office/drawing/2014/main" id="{D4AAEB5C-2B92-164D-BAD3-7FC196F57687}"/>
+              </a:ext>
+            </a:extLst>
+          </p:cNvPr>
+          <p:cNvSpPr/>
+          <p:nvPr/>
+        </p:nvSpPr>
+        <p:spPr>
+          <a:xfrm>
+            <a:off x="5649282" y="3105353"/>
+            <a:ext cx="182880" cy="45720"/>
+          </a:xfrm>
+          <a:prstGeom prst="rect">
+            <a:avLst/>
+          </a:prstGeom>
+          <a:solidFill>
+            <a:srgbClr val="0066FF"/>
+          </a:solidFill>
+          <a:ln>
+            <a:noFill/>
+          </a:ln>
+        </p:spPr>
+        <p:style>
+          <a:lnRef idx="2">
+            <a:schemeClr val="accent1">
+              <a:shade val="50000"/>
+            </a:schemeClr>
+          </a:lnRef>
+          <a:fillRef idx="1">
+            <a:schemeClr val="accent1"/>
+          </a:fillRef>
+          <a:effectRef idx="0">
+            <a:schemeClr val="accent1"/>
+          </a:effectRef>
+          <a:fontRef idx="minor">
+            <a:schemeClr val="lt1"/>
+          </a:fontRef>
+        </p:style>
+        <p:txBody>
+          <a:bodyPr rtlCol="0" anchor="ctr"/>
+          <a:lstStyle/>
+          <a:p>
+            <a:pPr algn="ctr"/>
+            <a:endParaRPr lang="zh-TW" altLang="en-US"/>
+          </a:p>
+        </p:txBody>
+      </p:sp>
+      <p:sp>
+        <p:nvSpPr>
+          <p:cNvPr id="39" name="矩形 75">
+            <a:extLst>
+              <a:ext uri="{FF2B5EF4-FFF2-40B4-BE49-F238E27FC236}">
+                <a16:creationId xmlns:a16="http://schemas.microsoft.com/office/drawing/2014/main" id="{12200304-9B02-FA42-B4D8-C71AEC4DE249}"/>
+              </a:ext>
+            </a:extLst>
+          </p:cNvPr>
+          <p:cNvSpPr/>
+          <p:nvPr/>
+        </p:nvSpPr>
+        <p:spPr>
+          <a:xfrm rot="17747868">
+            <a:off x="5430137" y="2477155"/>
+            <a:ext cx="320040" cy="45720"/>
+          </a:xfrm>
+          <a:prstGeom prst="rect">
+            <a:avLst/>
+          </a:prstGeom>
+          <a:solidFill>
+            <a:srgbClr val="0066FF"/>
+          </a:solidFill>
+          <a:ln>
+            <a:noFill/>
+          </a:ln>
+        </p:spPr>
+        <p:style>
+          <a:lnRef idx="2">
+            <a:schemeClr val="accent1">
+              <a:shade val="50000"/>
+            </a:schemeClr>
+          </a:lnRef>
+          <a:fillRef idx="1">
+            <a:schemeClr val="accent1"/>
+          </a:fillRef>
+          <a:effectRef idx="0">
+            <a:schemeClr val="accent1"/>
+          </a:effectRef>
+          <a:fontRef idx="minor">
+            <a:schemeClr val="lt1"/>
+          </a:fontRef>
+        </p:style>
+        <p:txBody>
+          <a:bodyPr rtlCol="0" anchor="ctr"/>
+          <a:lstStyle/>
+          <a:p>
+            <a:pPr algn="ctr"/>
+            <a:endParaRPr lang="zh-TW" altLang="en-US"/>
+          </a:p>
+        </p:txBody>
+      </p:sp>
+      <p:sp>
+        <p:nvSpPr>
+          <p:cNvPr id="40" name="矩形 76">
+            <a:extLst>
+              <a:ext uri="{FF2B5EF4-FFF2-40B4-BE49-F238E27FC236}">
+                <a16:creationId xmlns:a16="http://schemas.microsoft.com/office/drawing/2014/main" id="{56B63CBE-B656-4448-97C5-0C160D6DE2BE}"/>
+              </a:ext>
+            </a:extLst>
+          </p:cNvPr>
+          <p:cNvSpPr/>
+          <p:nvPr/>
+        </p:nvSpPr>
+        <p:spPr>
+          <a:xfrm rot="1996999">
+            <a:off x="5646309" y="2401061"/>
+            <a:ext cx="320040" cy="45720"/>
+          </a:xfrm>
+          <a:prstGeom prst="rect">
+            <a:avLst/>
+          </a:prstGeom>
+          <a:solidFill>
+            <a:srgbClr val="0066FF"/>
+          </a:solidFill>
+          <a:ln>
+            <a:noFill/>
+          </a:ln>
+        </p:spPr>
+        <p:style>
+          <a:lnRef idx="2">
+            <a:schemeClr val="accent1">
+              <a:shade val="50000"/>
+            </a:schemeClr>
+          </a:lnRef>
+          <a:fillRef idx="1">
+            <a:schemeClr val="accent1"/>
+          </a:fillRef>
+          <a:effectRef idx="0">
+            <a:schemeClr val="accent1"/>
+          </a:effectRef>
+          <a:fontRef idx="minor">
+            <a:schemeClr val="lt1"/>
+          </a:fontRef>
+        </p:style>
+        <p:txBody>
+          <a:bodyPr rtlCol="0" anchor="ctr"/>
+          <a:lstStyle/>
+          <a:p>
+            <a:pPr algn="ctr"/>
+            <a:endParaRPr lang="zh-TW" altLang="en-US"/>
+          </a:p>
+        </p:txBody>
+      </p:sp>
+      <p:sp>
+        <p:nvSpPr>
+          <p:cNvPr id="41" name="矩形 77">
+            <a:extLst>
+              <a:ext uri="{FF2B5EF4-FFF2-40B4-BE49-F238E27FC236}">
+                <a16:creationId xmlns:a16="http://schemas.microsoft.com/office/drawing/2014/main" id="{194E413E-D981-8F48-BA65-CB7D3EBE89D7}"/>
+              </a:ext>
+            </a:extLst>
+          </p:cNvPr>
+          <p:cNvSpPr/>
+          <p:nvPr/>
+        </p:nvSpPr>
+        <p:spPr>
+          <a:xfrm rot="5400000">
+            <a:off x="5570501" y="2254558"/>
+            <a:ext cx="182880" cy="45720"/>
+          </a:xfrm>
+          <a:prstGeom prst="rect">
+            <a:avLst/>
+          </a:prstGeom>
+          <a:solidFill>
+            <a:srgbClr val="0066FF"/>
+          </a:solidFill>
+          <a:ln>
+            <a:noFill/>
+          </a:ln>
+        </p:spPr>
+        <p:style>
+          <a:lnRef idx="2">
+            <a:schemeClr val="accent1">
+              <a:shade val="50000"/>
+            </a:schemeClr>
+          </a:lnRef>
+          <a:fillRef idx="1">
+            <a:schemeClr val="accent1"/>
+          </a:fillRef>
+          <a:effectRef idx="0">
+            <a:schemeClr val="accent1"/>
+          </a:effectRef>
+          <a:fontRef idx="minor">
+            <a:schemeClr val="lt1"/>
+          </a:fontRef>
+        </p:style>
+        <p:txBody>
+          <a:bodyPr rtlCol="0" anchor="ctr"/>
+          <a:lstStyle/>
+          <a:p>
+            <a:pPr algn="ctr"/>
+            <a:endParaRPr lang="zh-TW" altLang="en-US"/>
+          </a:p>
+        </p:txBody>
+      </p:sp>
+      <p:sp>
+        <p:nvSpPr>
+          <p:cNvPr id="42" name="矩形 78">
+            <a:extLst>
+              <a:ext uri="{FF2B5EF4-FFF2-40B4-BE49-F238E27FC236}">
+                <a16:creationId xmlns:a16="http://schemas.microsoft.com/office/drawing/2014/main" id="{A90AA32F-DBE2-C84A-8A41-6FBE2E24E568}"/>
+              </a:ext>
+            </a:extLst>
+          </p:cNvPr>
+          <p:cNvSpPr/>
+          <p:nvPr/>
+        </p:nvSpPr>
+        <p:spPr>
+          <a:xfrm rot="18990140">
+            <a:off x="5582394" y="2001311"/>
+            <a:ext cx="526830" cy="45719"/>
+          </a:xfrm>
+          <a:prstGeom prst="rect">
+            <a:avLst/>
+          </a:prstGeom>
+          <a:solidFill>
+            <a:srgbClr val="0066FF"/>
+          </a:solidFill>
+          <a:ln>
+            <a:noFill/>
+          </a:ln>
+        </p:spPr>
+        <p:style>
+          <a:lnRef idx="2">
+            <a:schemeClr val="accent1">
+              <a:shade val="50000"/>
+            </a:schemeClr>
+          </a:lnRef>
+          <a:fillRef idx="1">
+            <a:schemeClr val="accent1"/>
+          </a:fillRef>
+          <a:effectRef idx="0">
+            <a:schemeClr val="accent1"/>
+          </a:effectRef>
+          <a:fontRef idx="minor">
+            <a:schemeClr val="lt1"/>
+          </a:fontRef>
+        </p:style>
+        <p:txBody>
+          <a:bodyPr rtlCol="0" anchor="ctr"/>
+          <a:lstStyle/>
+          <a:p>
+            <a:pPr algn="ctr"/>
+            <a:endParaRPr lang="zh-TW" altLang="en-US"/>
+          </a:p>
+        </p:txBody>
+      </p:sp>
+      <p:sp>
+        <p:nvSpPr>
+          <p:cNvPr id="43" name="矩形 79">
+            <a:extLst>
+              <a:ext uri="{FF2B5EF4-FFF2-40B4-BE49-F238E27FC236}">
+                <a16:creationId xmlns:a16="http://schemas.microsoft.com/office/drawing/2014/main" id="{61117529-D8F0-624C-8507-5640406B1134}"/>
+              </a:ext>
+            </a:extLst>
+          </p:cNvPr>
+          <p:cNvSpPr/>
+          <p:nvPr/>
+        </p:nvSpPr>
+        <p:spPr>
+          <a:xfrm rot="2700000">
+            <a:off x="5924851" y="3343021"/>
+            <a:ext cx="450222" cy="45719"/>
+          </a:xfrm>
+          <a:prstGeom prst="rect">
+            <a:avLst/>
+          </a:prstGeom>
+          <a:solidFill>
+            <a:srgbClr val="0066FF"/>
+          </a:solidFill>
+          <a:ln>
+            <a:noFill/>
+          </a:ln>
+        </p:spPr>
+        <p:style>
+          <a:lnRef idx="2">
+            <a:schemeClr val="accent1">
+              <a:shade val="50000"/>
+            </a:schemeClr>
+          </a:lnRef>
+          <a:fillRef idx="1">
+            <a:schemeClr val="accent1"/>
+          </a:fillRef>
+          <a:effectRef idx="0">
+            <a:schemeClr val="accent1"/>
+          </a:effectRef>
+          <a:fontRef idx="minor">
+            <a:schemeClr val="lt1"/>
+          </a:fontRef>
+        </p:style>
+        <p:txBody>
+          <a:bodyPr rtlCol="0" anchor="ctr"/>
+          <a:lstStyle/>
+          <a:p>
+            <a:pPr algn="ctr"/>
+            <a:endParaRPr lang="zh-TW" altLang="en-US"/>
+          </a:p>
+        </p:txBody>
+      </p:sp>
+      <p:sp>
+        <p:nvSpPr>
+          <p:cNvPr id="44" name="矩形 81">
+            <a:extLst>
+              <a:ext uri="{FF2B5EF4-FFF2-40B4-BE49-F238E27FC236}">
+                <a16:creationId xmlns:a16="http://schemas.microsoft.com/office/drawing/2014/main" id="{AD893C52-3DF1-CB4F-8F2A-C2AD6932A0D5}"/>
+              </a:ext>
+            </a:extLst>
+          </p:cNvPr>
+          <p:cNvSpPr/>
+          <p:nvPr/>
+        </p:nvSpPr>
+        <p:spPr>
+          <a:xfrm rot="19745385">
+            <a:off x="6015103" y="2953662"/>
+            <a:ext cx="228600" cy="45720"/>
+          </a:xfrm>
+          <a:prstGeom prst="rect">
+            <a:avLst/>
+          </a:prstGeom>
+          <a:solidFill>
+            <a:srgbClr val="0066FF"/>
+          </a:solidFill>
+          <a:ln>
+            <a:noFill/>
+          </a:ln>
+        </p:spPr>
+        <p:style>
+          <a:lnRef idx="2">
+            <a:schemeClr val="accent1">
+              <a:shade val="50000"/>
+            </a:schemeClr>
+          </a:lnRef>
+          <a:fillRef idx="1">
+            <a:schemeClr val="accent1"/>
+          </a:fillRef>
+          <a:effectRef idx="0">
+            <a:schemeClr val="accent1"/>
+          </a:effectRef>
+          <a:fontRef idx="minor">
+            <a:schemeClr val="lt1"/>
+          </a:fontRef>
+        </p:style>
+        <p:txBody>
+          <a:bodyPr rtlCol="0" anchor="ctr"/>
+          <a:lstStyle/>
+          <a:p>
+            <a:pPr algn="ctr"/>
+            <a:endParaRPr lang="zh-TW" altLang="en-US"/>
+          </a:p>
+        </p:txBody>
+      </p:sp>
+      <p:sp>
+        <p:nvSpPr>
+          <p:cNvPr id="45" name="矩形 82">
+            <a:extLst>
+              <a:ext uri="{FF2B5EF4-FFF2-40B4-BE49-F238E27FC236}">
+                <a16:creationId xmlns:a16="http://schemas.microsoft.com/office/drawing/2014/main" id="{4EF8BEF1-C42E-1145-8A4D-A4F91EDEFF12}"/>
+              </a:ext>
+            </a:extLst>
+          </p:cNvPr>
+          <p:cNvSpPr/>
+          <p:nvPr/>
+        </p:nvSpPr>
+        <p:spPr>
+          <a:xfrm rot="16872939">
+            <a:off x="6143414" y="2819393"/>
+            <a:ext cx="182880" cy="45720"/>
+          </a:xfrm>
+          <a:prstGeom prst="rect">
+            <a:avLst/>
+          </a:prstGeom>
+          <a:solidFill>
+            <a:srgbClr val="0066FF"/>
+          </a:solidFill>
+          <a:ln>
+            <a:noFill/>
+          </a:ln>
+        </p:spPr>
+        <p:style>
+          <a:lnRef idx="2">
+            <a:schemeClr val="accent1">
+              <a:shade val="50000"/>
+            </a:schemeClr>
+          </a:lnRef>
+          <a:fillRef idx="1">
+            <a:schemeClr val="accent1"/>
+          </a:fillRef>
+          <a:effectRef idx="0">
+            <a:schemeClr val="accent1"/>
+          </a:effectRef>
+          <a:fontRef idx="minor">
+            <a:schemeClr val="lt1"/>
+          </a:fontRef>
+        </p:style>
+        <p:txBody>
+          <a:bodyPr rtlCol="0" anchor="ctr"/>
+          <a:lstStyle/>
+          <a:p>
+            <a:pPr algn="ctr"/>
+            <a:endParaRPr lang="zh-TW" altLang="en-US"/>
+          </a:p>
+        </p:txBody>
+      </p:sp>
+      <p:sp>
+        <p:nvSpPr>
+          <p:cNvPr id="46" name="矩形 83">
+            <a:extLst>
+              <a:ext uri="{FF2B5EF4-FFF2-40B4-BE49-F238E27FC236}">
+                <a16:creationId xmlns:a16="http://schemas.microsoft.com/office/drawing/2014/main" id="{00B7F55C-9AA8-474A-8DEF-0073999854D5}"/>
+              </a:ext>
+            </a:extLst>
+          </p:cNvPr>
+          <p:cNvSpPr/>
+          <p:nvPr/>
+        </p:nvSpPr>
+        <p:spPr>
+          <a:xfrm rot="14099447">
+            <a:off x="6088901" y="2660906"/>
+            <a:ext cx="210944" cy="45719"/>
+          </a:xfrm>
+          <a:prstGeom prst="rect">
+            <a:avLst/>
+          </a:prstGeom>
+          <a:solidFill>
+            <a:srgbClr val="0066FF"/>
+          </a:solidFill>
+          <a:ln>
+            <a:noFill/>
+          </a:ln>
+        </p:spPr>
+        <p:style>
+          <a:lnRef idx="2">
+            <a:schemeClr val="accent1">
+              <a:shade val="50000"/>
+            </a:schemeClr>
+          </a:lnRef>
+          <a:fillRef idx="1">
+            <a:schemeClr val="accent1"/>
+          </a:fillRef>
+          <a:effectRef idx="0">
+            <a:schemeClr val="accent1"/>
+          </a:effectRef>
+          <a:fontRef idx="minor">
+            <a:schemeClr val="lt1"/>
+          </a:fontRef>
+        </p:style>
+        <p:txBody>
+          <a:bodyPr rtlCol="0" anchor="ctr"/>
+          <a:lstStyle/>
+          <a:p>
+            <a:pPr algn="ctr"/>
+            <a:endParaRPr lang="zh-TW" altLang="en-US"/>
+          </a:p>
+        </p:txBody>
+      </p:sp>
+      <p:sp>
+        <p:nvSpPr>
+          <p:cNvPr id="47" name="矩形 11">
+            <a:extLst>
+              <a:ext uri="{FF2B5EF4-FFF2-40B4-BE49-F238E27FC236}">
+                <a16:creationId xmlns:a16="http://schemas.microsoft.com/office/drawing/2014/main" id="{FCA8CBB3-968B-E447-B2C9-B123B8E087AE}"/>
+              </a:ext>
+            </a:extLst>
+          </p:cNvPr>
+          <p:cNvSpPr/>
+          <p:nvPr/>
+        </p:nvSpPr>
+        <p:spPr>
+          <a:xfrm>
+            <a:off x="3962574" y="5641921"/>
+            <a:ext cx="4338027" cy="923330"/>
+          </a:xfrm>
+          <a:prstGeom prst="rect">
+            <a:avLst/>
+          </a:prstGeom>
+          <a:noFill/>
+        </p:spPr>
+        <p:txBody>
+          <a:bodyPr wrap="square" lIns="91440" tIns="45720" rIns="91440" bIns="45720">
+            <a:spAutoFit/>
+          </a:bodyPr>
+          <a:lstStyle/>
+          <a:p>
+            <a:pPr algn="ctr"/>
+            <a:r>
+              <a:rPr lang="en-US" altLang="zh-TW" sz="5400" b="1" cap="none" spc="0" dirty="0" err="1">
+                <a:ln w="0"/>
+                <a:solidFill>
+                  <a:schemeClr val="tx1">
+                    <a:lumMod val="50000"/>
+                    <a:lumOff val="50000"/>
+                  </a:schemeClr>
+                </a:solidFill>
+                <a:effectLst>
+                  <a:outerShdw blurRad="38100" dist="25400" dir="5400000" algn="ctr" rotWithShape="0">
+                    <a:srgbClr val="6E747A">
+                      <a:alpha val="43000"/>
+                    </a:srgbClr>
+                  </a:outerShdw>
+                </a:effectLst>
+                <a:latin typeface="Arial Rounded MT Bold" panose="020F0704030504030204" pitchFamily="34" charset="0"/>
+              </a:rPr>
+              <a:t>Heteroflow</a:t>
+            </a:r>
+            <a:endParaRPr lang="zh-TW" altLang="en-US" sz="5400" b="1" cap="none" spc="0" dirty="0">
+              <a:ln w="0"/>
+              <a:solidFill>
+                <a:schemeClr val="tx1">
+                  <a:lumMod val="50000"/>
+                  <a:lumOff val="50000"/>
+                </a:schemeClr>
+              </a:solidFill>
+              <a:effectLst>
+                <a:outerShdw blurRad="38100" dist="25400" dir="5400000" algn="ctr" rotWithShape="0">
+                  <a:srgbClr val="6E747A">
+                    <a:alpha val="43000"/>
+                  </a:srgbClr>
+                </a:outerShdw>
+              </a:effectLst>
+              <a:latin typeface="Arial Rounded MT Bold" panose="020F0704030504030204" pitchFamily="34" charset="0"/>
+            </a:endParaRPr>
+          </a:p>
+        </p:txBody>
+      </p:sp>
+      <p:sp>
+        <p:nvSpPr>
+          <p:cNvPr id="52" name="橢圓 90">
+            <a:extLst>
+              <a:ext uri="{FF2B5EF4-FFF2-40B4-BE49-F238E27FC236}">
+                <a16:creationId xmlns:a16="http://schemas.microsoft.com/office/drawing/2014/main" id="{5101DD3A-A33E-AC4E-93C6-50D0ADB8EF5A}"/>
+              </a:ext>
+            </a:extLst>
+          </p:cNvPr>
+          <p:cNvSpPr/>
+          <p:nvPr/>
+        </p:nvSpPr>
+        <p:spPr>
+          <a:xfrm>
+            <a:off x="3742425" y="2523538"/>
+            <a:ext cx="462128" cy="462128"/>
+          </a:xfrm>
+          <a:prstGeom prst="ellipse">
+            <a:avLst/>
+          </a:prstGeom>
+          <a:solidFill>
+            <a:srgbClr val="0066FF"/>
+          </a:solidFill>
+          <a:ln>
+            <a:noFill/>
+          </a:ln>
+        </p:spPr>
+        <p:style>
+          <a:lnRef idx="2">
+            <a:schemeClr val="accent1">
+              <a:shade val="50000"/>
+            </a:schemeClr>
+          </a:lnRef>
+          <a:fillRef idx="1">
+            <a:schemeClr val="accent1"/>
+          </a:fillRef>
+          <a:effectRef idx="0">
+            <a:schemeClr val="accent1"/>
+          </a:effectRef>
+          <a:fontRef idx="minor">
+            <a:schemeClr val="lt1"/>
+          </a:fontRef>
+        </p:style>
+        <p:txBody>
+          <a:bodyPr rtlCol="0" anchor="ctr"/>
+          <a:lstStyle/>
+          <a:p>
+            <a:pPr algn="ctr"/>
+            <a:endParaRPr lang="zh-TW" altLang="en-US"/>
+          </a:p>
+        </p:txBody>
+      </p:sp>
+      <p:sp>
+        <p:nvSpPr>
+          <p:cNvPr id="53" name="橢圓 91">
+            <a:extLst>
+              <a:ext uri="{FF2B5EF4-FFF2-40B4-BE49-F238E27FC236}">
+                <a16:creationId xmlns:a16="http://schemas.microsoft.com/office/drawing/2014/main" id="{B92C6508-F6E5-8F40-A1D3-C8290366CC71}"/>
+              </a:ext>
+            </a:extLst>
+          </p:cNvPr>
+          <p:cNvSpPr/>
+          <p:nvPr/>
+        </p:nvSpPr>
+        <p:spPr>
+          <a:xfrm>
+            <a:off x="3882049" y="2663162"/>
+            <a:ext cx="182880" cy="182880"/>
+          </a:xfrm>
+          <a:prstGeom prst="ellipse">
+            <a:avLst/>
+          </a:prstGeom>
+          <a:solidFill>
+            <a:schemeClr val="bg1"/>
+          </a:solidFill>
+          <a:ln>
+            <a:noFill/>
+          </a:ln>
+        </p:spPr>
+        <p:style>
+          <a:lnRef idx="2">
+            <a:schemeClr val="accent1">
+              <a:shade val="50000"/>
+            </a:schemeClr>
+          </a:lnRef>
+          <a:fillRef idx="1">
+            <a:schemeClr val="accent1"/>
+          </a:fillRef>
+          <a:effectRef idx="0">
+            <a:schemeClr val="accent1"/>
+          </a:effectRef>
+          <a:fontRef idx="minor">
+            <a:schemeClr val="lt1"/>
+          </a:fontRef>
+        </p:style>
+        <p:txBody>
+          <a:bodyPr rtlCol="0" anchor="ctr"/>
+          <a:lstStyle/>
+          <a:p>
+            <a:pPr algn="ctr"/>
+            <a:endParaRPr lang="zh-TW" altLang="en-US"/>
+          </a:p>
+        </p:txBody>
+      </p:sp>
+    </p:spTree>
+    <p:extLst>
+      <p:ext uri="{BB962C8B-B14F-4D97-AF65-F5344CB8AC3E}">
+        <p14:creationId xmlns:p14="http://schemas.microsoft.com/office/powerpoint/2010/main" val="2394971282"/>
+      </p:ext>
+    </p:extLst>
+  </p:cSld>
+  <p:clrMapOvr>
+    <a:masterClrMapping/>
+  </p:clrMapOvr>
+</p:sld>
+</file>
+
+<file path=ppt/slides/slide4.xml><?xml version="1.0" encoding="utf-8"?>
+<p:sld xmlns:a="http://schemas.openxmlformats.org/drawingml/2006/main" xmlns:r="http://schemas.openxmlformats.org/officeDocument/2006/relationships" xmlns:p="http://schemas.openxmlformats.org/presentationml/2006/main">
+  <p:cSld>
+    <p:spTree>
+      <p:nvGrpSpPr>
+        <p:cNvPr id="1" name=""/>
+        <p:cNvGrpSpPr/>
+        <p:nvPr/>
+      </p:nvGrpSpPr>
+      <p:grpSpPr>
+        <a:xfrm>
+          <a:off x="0" y="0"/>
+          <a:ext cx="0" cy="0"/>
+          <a:chOff x="0" y="0"/>
+          <a:chExt cx="0" cy="0"/>
+        </a:xfrm>
+      </p:grpSpPr>
+      <p:sp>
+        <p:nvSpPr>
+          <p:cNvPr id="47" name="矩形 11">
+            <a:extLst>
+              <a:ext uri="{FF2B5EF4-FFF2-40B4-BE49-F238E27FC236}">
+                <a16:creationId xmlns:a16="http://schemas.microsoft.com/office/drawing/2014/main" id="{FCA8CBB3-968B-E447-B2C9-B123B8E087AE}"/>
+              </a:ext>
+            </a:extLst>
+          </p:cNvPr>
+          <p:cNvSpPr/>
+          <p:nvPr/>
+        </p:nvSpPr>
+        <p:spPr>
+          <a:xfrm>
+            <a:off x="3962574" y="5641921"/>
+            <a:ext cx="4338027" cy="923330"/>
+          </a:xfrm>
+          <a:prstGeom prst="rect">
+            <a:avLst/>
+          </a:prstGeom>
+          <a:noFill/>
+        </p:spPr>
+        <p:txBody>
+          <a:bodyPr wrap="square" lIns="91440" tIns="45720" rIns="91440" bIns="45720">
+            <a:spAutoFit/>
+          </a:bodyPr>
+          <a:lstStyle/>
+          <a:p>
+            <a:pPr algn="ctr"/>
+            <a:r>
+              <a:rPr lang="en-US" altLang="zh-TW" sz="5400" b="1" cap="none" spc="0" dirty="0" err="1">
+                <a:ln w="0"/>
+                <a:solidFill>
+                  <a:schemeClr val="tx1">
+                    <a:lumMod val="50000"/>
+                    <a:lumOff val="50000"/>
+                  </a:schemeClr>
+                </a:solidFill>
+                <a:effectLst>
+                  <a:outerShdw blurRad="38100" dist="25400" dir="5400000" algn="ctr" rotWithShape="0">
+                    <a:srgbClr val="6E747A">
+                      <a:alpha val="43000"/>
+                    </a:srgbClr>
+                  </a:outerShdw>
+                </a:effectLst>
+                <a:latin typeface="Arial Rounded MT Bold" panose="020F0704030504030204" pitchFamily="34" charset="0"/>
+              </a:rPr>
+              <a:t>Heteroflow</a:t>
+            </a:r>
+            <a:endParaRPr lang="zh-TW" altLang="en-US" sz="5400" b="1" cap="none" spc="0" dirty="0">
+              <a:ln w="0"/>
+              <a:solidFill>
+                <a:schemeClr val="tx1">
+                  <a:lumMod val="50000"/>
+                  <a:lumOff val="50000"/>
+                </a:schemeClr>
+              </a:solidFill>
+              <a:effectLst>
+                <a:outerShdw blurRad="38100" dist="25400" dir="5400000" algn="ctr" rotWithShape="0">
+                  <a:srgbClr val="6E747A">
+                    <a:alpha val="43000"/>
+                  </a:srgbClr>
+                </a:outerShdw>
+              </a:effectLst>
+              <a:latin typeface="Arial Rounded MT Bold" panose="020F0704030504030204" pitchFamily="34" charset="0"/>
+            </a:endParaRPr>
+          </a:p>
+        </p:txBody>
+      </p:sp>
+      <p:pic>
+        <p:nvPicPr>
+          <p:cNvPr id="62" name="Picture 61">
+            <a:extLst>
+              <a:ext uri="{FF2B5EF4-FFF2-40B4-BE49-F238E27FC236}">
+                <a16:creationId xmlns:a16="http://schemas.microsoft.com/office/drawing/2014/main" id="{08EC6BE1-C175-6A46-805B-D124871E18C1}"/>
+              </a:ext>
+            </a:extLst>
+          </p:cNvPr>
+          <p:cNvPicPr>
+            <a:picLocks noChangeAspect="1"/>
+          </p:cNvPicPr>
+          <p:nvPr/>
+        </p:nvPicPr>
+        <p:blipFill>
+          <a:blip r:embed="rId2">
+            <a:clrChange>
+              <a:clrFrom>
+                <a:srgbClr val="000000">
+                  <a:alpha val="0"/>
+                </a:srgbClr>
+              </a:clrFrom>
+              <a:clrTo>
+                <a:srgbClr val="000000">
+                  <a:alpha val="0"/>
+                </a:srgbClr>
+              </a:clrTo>
+            </a:clrChange>
+          </a:blip>
+          <a:stretch>
+            <a:fillRect/>
+          </a:stretch>
+        </p:blipFill>
+        <p:spPr>
+          <a:xfrm>
+            <a:off x="3962574" y="710651"/>
+            <a:ext cx="4483100" cy="4305300"/>
+          </a:xfrm>
+          <a:prstGeom prst="rect">
+            <a:avLst/>
+          </a:prstGeom>
+        </p:spPr>
+      </p:pic>
+    </p:spTree>
+    <p:extLst>
+      <p:ext uri="{BB962C8B-B14F-4D97-AF65-F5344CB8AC3E}">
+        <p14:creationId xmlns:p14="http://schemas.microsoft.com/office/powerpoint/2010/main" val="3151959086"/>
+      </p:ext>
+    </p:extLst>
+  </p:cSld>
+  <p:clrMapOvr>
+    <a:masterClrMapping/>
+  </p:clrMapOvr>
+</p:sld>
+</file>
+
+<file path=ppt/slides/slide5.xml><?xml version="1.0" encoding="utf-8"?>
+<p:sld xmlns:a="http://schemas.openxmlformats.org/drawingml/2006/main" xmlns:r="http://schemas.openxmlformats.org/officeDocument/2006/relationships" xmlns:p="http://schemas.openxmlformats.org/presentationml/2006/main">
+  <p:cSld>
+    <p:spTree>
+      <p:nvGrpSpPr>
+        <p:cNvPr id="1" name=""/>
+        <p:cNvGrpSpPr/>
+        <p:nvPr/>
+      </p:nvGrpSpPr>
+      <p:grpSpPr>
+        <a:xfrm>
+          <a:off x="0" y="0"/>
+          <a:ext cx="0" cy="0"/>
+          <a:chOff x="0" y="0"/>
+          <a:chExt cx="0" cy="0"/>
+        </a:xfrm>
+      </p:grpSpPr>
+      <p:sp>
+        <p:nvSpPr>
           <p:cNvPr id="87" name="圖案 86"/>
           <p:cNvSpPr/>
           <p:nvPr/>
@@ -7664,7 +9982,7 @@
             <a:lstStyle/>
             <a:p>
               <a:pPr algn="ctr"/>
-              <a:endParaRPr lang="zh-TW" altLang="en-US"/>
+              <a:endParaRPr lang="zh-TW" altLang="en-US" dirty="0"/>
             </a:p>
           </p:txBody>
         </p:sp>
@@ -8167,7 +10485,7 @@
         </p:nvSpPr>
         <p:spPr>
           <a:xfrm>
-            <a:off x="4036973" y="2796154"/>
+            <a:off x="4036973" y="2811394"/>
             <a:ext cx="640080" cy="182880"/>
           </a:xfrm>
           <a:prstGeom prst="rect">
